--- a/static/uploads/slides/ppt/Empathy Mapping.pptx
+++ b/static/uploads/slides/ppt/Empathy Mapping.pptx
@@ -2193,7 +2193,7 @@
           </a:ln>
           <a:extLst>
             <a:ext uri="{C572A759-6A51-4108-AA02-DFA0A04FC94B}">
-              <ma14:wrappingTextBoxFlag xmlns:ma14="http://schemas.microsoft.com/office/mac/drawingml/2011/main" xmlns="" val="1"/>
+              <ma14:wrappingTextBoxFlag xmlns="" xmlns:ma14="http://schemas.microsoft.com/office/mac/drawingml/2011/main" val="1"/>
             </a:ext>
           </a:extLst>
         </p:spPr>
@@ -2232,7 +2232,7 @@
           </a:ln>
           <a:extLst>
             <a:ext uri="{C572A759-6A51-4108-AA02-DFA0A04FC94B}">
-              <ma14:wrappingTextBoxFlag xmlns:ma14="http://schemas.microsoft.com/office/mac/drawingml/2011/main" xmlns="" val="1"/>
+              <ma14:wrappingTextBoxFlag xmlns="" xmlns:ma14="http://schemas.microsoft.com/office/mac/drawingml/2011/main" val="1"/>
             </a:ext>
           </a:extLst>
         </p:spPr>
@@ -3232,7 +3232,7 @@
             </a:ln>
             <a:extLst>
               <a:ext uri="{C572A759-6A51-4108-AA02-DFA0A04FC94B}">
-                <ma14:wrappingTextBoxFlag xmlns:ma14="http://schemas.microsoft.com/office/mac/drawingml/2011/main" xmlns="" val="1"/>
+                <ma14:wrappingTextBoxFlag xmlns="" xmlns:ma14="http://schemas.microsoft.com/office/mac/drawingml/2011/main" val="1"/>
               </a:ext>
             </a:extLst>
           </p:spPr>
@@ -3331,7 +3331,7 @@
             </a:ln>
             <a:extLst>
               <a:ext uri="{C572A759-6A51-4108-AA02-DFA0A04FC94B}">
-                <ma14:wrappingTextBoxFlag xmlns:ma14="http://schemas.microsoft.com/office/mac/drawingml/2011/main" xmlns="" val="1"/>
+                <ma14:wrappingTextBoxFlag xmlns="" xmlns:ma14="http://schemas.microsoft.com/office/mac/drawingml/2011/main" val="1"/>
               </a:ext>
             </a:extLst>
           </p:spPr>
@@ -3502,7 +3502,7 @@
             </a:ln>
             <a:extLst>
               <a:ext uri="{C572A759-6A51-4108-AA02-DFA0A04FC94B}">
-                <ma14:wrappingTextBoxFlag xmlns:ma14="http://schemas.microsoft.com/office/mac/drawingml/2011/main" xmlns="" val="1"/>
+                <ma14:wrappingTextBoxFlag xmlns="" xmlns:ma14="http://schemas.microsoft.com/office/mac/drawingml/2011/main" val="1"/>
               </a:ext>
             </a:extLst>
           </p:spPr>
@@ -3667,7 +3667,7 @@
             </a:ln>
             <a:extLst>
               <a:ext uri="{C572A759-6A51-4108-AA02-DFA0A04FC94B}">
-                <ma14:wrappingTextBoxFlag xmlns:ma14="http://schemas.microsoft.com/office/mac/drawingml/2011/main" xmlns="" val="1"/>
+                <ma14:wrappingTextBoxFlag xmlns="" xmlns:ma14="http://schemas.microsoft.com/office/mac/drawingml/2011/main" val="1"/>
               </a:ext>
             </a:extLst>
           </p:spPr>
@@ -3714,8 +3714,8 @@
         </p:nvSpPr>
         <p:spPr>
           <a:xfrm>
-            <a:off x="16334649" y="12351216"/>
-            <a:ext cx="7535780" cy="1067599"/>
+            <a:off x="11676185" y="12505104"/>
+            <a:ext cx="12194244" cy="759822"/>
           </a:xfrm>
           <a:prstGeom prst="rect">
             <a:avLst/>
@@ -3725,17 +3725,17 @@
           </a:ln>
           <a:extLst>
             <a:ext uri="{C572A759-6A51-4108-AA02-DFA0A04FC94B}">
-              <ma14:wrappingTextBoxFlag xmlns:ma14="http://schemas.microsoft.com/office/mac/drawingml/2011/main" xmlns="" val="1"/>
+              <ma14:wrappingTextBoxFlag xmlns="" xmlns:ma14="http://schemas.microsoft.com/office/mac/drawingml/2011/main" val="1"/>
             </a:ext>
           </a:extLst>
         </p:spPr>
         <p:txBody>
-          <a:bodyPr wrap="none" lIns="71437" tIns="71437" rIns="71437" bIns="71437" anchor="ctr">
+          <a:bodyPr wrap="square" lIns="71437" tIns="71437" rIns="71437" bIns="71437" anchor="ctr">
             <a:spAutoFit/>
           </a:bodyPr>
           <a:lstStyle/>
           <a:p>
-            <a:pPr algn="r">
+            <a:pPr algn="l">
               <a:defRPr sz="2000" b="0">
                 <a:solidFill>
                   <a:srgbClr val="919191"/>
@@ -3774,24 +3774,7 @@
             </a:r>
             <a:r>
               <a:rPr lang="en-AU" dirty="0"/>
-              <a:t>/</a:t>
-            </a:r>
-          </a:p>
-          <a:p>
-            <a:pPr algn="r">
-              <a:defRPr sz="2000" b="0">
-                <a:solidFill>
-                  <a:srgbClr val="919191"/>
-                </a:solidFill>
-                <a:latin typeface="Montserrat Medium"/>
-                <a:ea typeface="Montserrat Medium"/>
-                <a:cs typeface="Montserrat Medium"/>
-                <a:sym typeface="Montserrat Medium"/>
-              </a:defRPr>
-            </a:pPr>
-            <a:r>
-              <a:rPr lang="en-AU" dirty="0"/>
-              <a:t>photos/</a:t>
+              <a:t>/photos/</a:t>
             </a:r>
             <a:r>
               <a:rPr lang="en-AU" dirty="0" err="1"/>
@@ -3894,7 +3877,7 @@
             </a:ln>
             <a:extLst>
               <a:ext uri="{C572A759-6A51-4108-AA02-DFA0A04FC94B}">
-                <ma14:wrappingTextBoxFlag xmlns:ma14="http://schemas.microsoft.com/office/mac/drawingml/2011/main" xmlns="" val="1"/>
+                <ma14:wrappingTextBoxFlag xmlns="" xmlns:ma14="http://schemas.microsoft.com/office/mac/drawingml/2011/main" val="1"/>
               </a:ext>
             </a:extLst>
           </p:spPr>
@@ -3981,7 +3964,7 @@
             </a:ln>
             <a:extLst>
               <a:ext uri="{C572A759-6A51-4108-AA02-DFA0A04FC94B}">
-                <ma14:wrappingTextBoxFlag xmlns:ma14="http://schemas.microsoft.com/office/mac/drawingml/2011/main" xmlns="" val="1"/>
+                <ma14:wrappingTextBoxFlag xmlns="" xmlns:ma14="http://schemas.microsoft.com/office/mac/drawingml/2011/main" val="1"/>
               </a:ext>
             </a:extLst>
           </p:spPr>
@@ -4028,7 +4011,7 @@
             </a:ln>
             <a:extLst>
               <a:ext uri="{C572A759-6A51-4108-AA02-DFA0A04FC94B}">
-                <ma14:wrappingTextBoxFlag xmlns:ma14="http://schemas.microsoft.com/office/mac/drawingml/2011/main" xmlns="" val="1"/>
+                <ma14:wrappingTextBoxFlag xmlns="" xmlns:ma14="http://schemas.microsoft.com/office/mac/drawingml/2011/main" val="1"/>
               </a:ext>
             </a:extLst>
           </p:spPr>
@@ -4180,7 +4163,7 @@
             </a:ln>
             <a:extLst>
               <a:ext uri="{C572A759-6A51-4108-AA02-DFA0A04FC94B}">
-                <ma14:wrappingTextBoxFlag xmlns:ma14="http://schemas.microsoft.com/office/mac/drawingml/2011/main" xmlns="" val="1"/>
+                <ma14:wrappingTextBoxFlag xmlns="" xmlns:ma14="http://schemas.microsoft.com/office/mac/drawingml/2011/main" val="1"/>
               </a:ext>
             </a:extLst>
           </p:spPr>
@@ -4385,7 +4368,7 @@
             </a:ln>
             <a:extLst>
               <a:ext uri="{C572A759-6A51-4108-AA02-DFA0A04FC94B}">
-                <ma14:wrappingTextBoxFlag xmlns:ma14="http://schemas.microsoft.com/office/mac/drawingml/2011/main" xmlns="" val="1"/>
+                <ma14:wrappingTextBoxFlag xmlns="" xmlns:ma14="http://schemas.microsoft.com/office/mac/drawingml/2011/main" val="1"/>
               </a:ext>
             </a:extLst>
           </p:spPr>
@@ -4480,7 +4463,7 @@
             </a:ln>
             <a:extLst>
               <a:ext uri="{C572A759-6A51-4108-AA02-DFA0A04FC94B}">
-                <ma14:wrappingTextBoxFlag xmlns:ma14="http://schemas.microsoft.com/office/mac/drawingml/2011/main" xmlns="" val="1"/>
+                <ma14:wrappingTextBoxFlag xmlns="" xmlns:ma14="http://schemas.microsoft.com/office/mac/drawingml/2011/main" val="1"/>
               </a:ext>
             </a:extLst>
           </p:spPr>
@@ -4571,7 +4554,7 @@
             </a:ln>
             <a:extLst>
               <a:ext uri="{C572A759-6A51-4108-AA02-DFA0A04FC94B}">
-                <ma14:wrappingTextBoxFlag xmlns:ma14="http://schemas.microsoft.com/office/mac/drawingml/2011/main" xmlns="" val="1"/>
+                <ma14:wrappingTextBoxFlag xmlns="" xmlns:ma14="http://schemas.microsoft.com/office/mac/drawingml/2011/main" val="1"/>
               </a:ext>
             </a:extLst>
           </p:spPr>
@@ -4750,7 +4733,7 @@
             </a:ln>
             <a:extLst>
               <a:ext uri="{C572A759-6A51-4108-AA02-DFA0A04FC94B}">
-                <ma14:wrappingTextBoxFlag xmlns:ma14="http://schemas.microsoft.com/office/mac/drawingml/2011/main" xmlns="" val="1"/>
+                <ma14:wrappingTextBoxFlag xmlns="" xmlns:ma14="http://schemas.microsoft.com/office/mac/drawingml/2011/main" val="1"/>
               </a:ext>
             </a:extLst>
           </p:spPr>
@@ -4966,7 +4949,7 @@
             </a:ln>
             <a:extLst>
               <a:ext uri="{C572A759-6A51-4108-AA02-DFA0A04FC94B}">
-                <ma14:wrappingTextBoxFlag xmlns:ma14="http://schemas.microsoft.com/office/mac/drawingml/2011/main" xmlns="" val="1"/>
+                <ma14:wrappingTextBoxFlag xmlns="" xmlns:ma14="http://schemas.microsoft.com/office/mac/drawingml/2011/main" val="1"/>
               </a:ext>
             </a:extLst>
           </p:spPr>
@@ -5014,7 +4997,7 @@
             </a:ln>
             <a:extLst>
               <a:ext uri="{C572A759-6A51-4108-AA02-DFA0A04FC94B}">
-                <ma14:wrappingTextBoxFlag xmlns:ma14="http://schemas.microsoft.com/office/mac/drawingml/2011/main" xmlns="" val="1"/>
+                <ma14:wrappingTextBoxFlag xmlns="" xmlns:ma14="http://schemas.microsoft.com/office/mac/drawingml/2011/main" val="1"/>
               </a:ext>
             </a:extLst>
           </p:spPr>
@@ -5069,7 +5052,7 @@
           </a:ln>
           <a:extLst>
             <a:ext uri="{C572A759-6A51-4108-AA02-DFA0A04FC94B}">
-              <ma14:wrappingTextBoxFlag xmlns:ma14="http://schemas.microsoft.com/office/mac/drawingml/2011/main" xmlns="" val="1"/>
+              <ma14:wrappingTextBoxFlag xmlns="" xmlns:ma14="http://schemas.microsoft.com/office/mac/drawingml/2011/main" val="1"/>
             </a:ext>
           </a:extLst>
         </p:spPr>
@@ -5151,7 +5134,7 @@
           </a:ln>
           <a:extLst>
             <a:ext uri="{C572A759-6A51-4108-AA02-DFA0A04FC94B}">
-              <ma14:wrappingTextBoxFlag xmlns:ma14="http://schemas.microsoft.com/office/mac/drawingml/2011/main" xmlns="" val="1"/>
+              <ma14:wrappingTextBoxFlag xmlns="" xmlns:ma14="http://schemas.microsoft.com/office/mac/drawingml/2011/main" val="1"/>
             </a:ext>
           </a:extLst>
         </p:spPr>
@@ -5209,7 +5192,7 @@
           </a:ln>
           <a:extLst>
             <a:ext uri="{C572A759-6A51-4108-AA02-DFA0A04FC94B}">
-              <ma14:wrappingTextBoxFlag xmlns:ma14="http://schemas.microsoft.com/office/mac/drawingml/2011/main" xmlns="" val="1"/>
+              <ma14:wrappingTextBoxFlag xmlns="" xmlns:ma14="http://schemas.microsoft.com/office/mac/drawingml/2011/main" val="1"/>
             </a:ext>
           </a:extLst>
         </p:spPr>
@@ -5271,7 +5254,7 @@
           </a:ln>
           <a:extLst>
             <a:ext uri="{C572A759-6A51-4108-AA02-DFA0A04FC94B}">
-              <ma14:wrappingTextBoxFlag xmlns:ma14="http://schemas.microsoft.com/office/mac/drawingml/2011/main" xmlns="" val="1"/>
+              <ma14:wrappingTextBoxFlag xmlns="" xmlns:ma14="http://schemas.microsoft.com/office/mac/drawingml/2011/main" val="1"/>
             </a:ext>
           </a:extLst>
         </p:spPr>
@@ -5332,7 +5315,7 @@
           </a:ln>
           <a:extLst>
             <a:ext uri="{C572A759-6A51-4108-AA02-DFA0A04FC94B}">
-              <ma14:wrappingTextBoxFlag xmlns:ma14="http://schemas.microsoft.com/office/mac/drawingml/2011/main" xmlns="" val="1"/>
+              <ma14:wrappingTextBoxFlag xmlns="" xmlns:ma14="http://schemas.microsoft.com/office/mac/drawingml/2011/main" val="1"/>
             </a:ext>
           </a:extLst>
         </p:spPr>
@@ -5390,7 +5373,7 @@
           </a:ln>
           <a:extLst>
             <a:ext uri="{C572A759-6A51-4108-AA02-DFA0A04FC94B}">
-              <ma14:wrappingTextBoxFlag xmlns:ma14="http://schemas.microsoft.com/office/mac/drawingml/2011/main" xmlns="" val="1"/>
+              <ma14:wrappingTextBoxFlag xmlns="" xmlns:ma14="http://schemas.microsoft.com/office/mac/drawingml/2011/main" val="1"/>
             </a:ext>
           </a:extLst>
         </p:spPr>
@@ -5452,7 +5435,7 @@
           </a:ln>
           <a:extLst>
             <a:ext uri="{C572A759-6A51-4108-AA02-DFA0A04FC94B}">
-              <ma14:wrappingTextBoxFlag xmlns:ma14="http://schemas.microsoft.com/office/mac/drawingml/2011/main" xmlns="" val="1"/>
+              <ma14:wrappingTextBoxFlag xmlns="" xmlns:ma14="http://schemas.microsoft.com/office/mac/drawingml/2011/main" val="1"/>
             </a:ext>
           </a:extLst>
         </p:spPr>
@@ -5514,7 +5497,7 @@
           </a:ln>
           <a:extLst>
             <a:ext uri="{C572A759-6A51-4108-AA02-DFA0A04FC94B}">
-              <ma14:wrappingTextBoxFlag xmlns:ma14="http://schemas.microsoft.com/office/mac/drawingml/2011/main" xmlns="" val="1"/>
+              <ma14:wrappingTextBoxFlag xmlns="" xmlns:ma14="http://schemas.microsoft.com/office/mac/drawingml/2011/main" val="1"/>
             </a:ext>
           </a:extLst>
         </p:spPr>
@@ -5674,7 +5657,7 @@
           </a:ln>
           <a:extLst>
             <a:ext uri="{C572A759-6A51-4108-AA02-DFA0A04FC94B}">
-              <ma14:wrappingTextBoxFlag xmlns:ma14="http://schemas.microsoft.com/office/mac/drawingml/2011/main" xmlns="" val="1"/>
+              <ma14:wrappingTextBoxFlag xmlns="" xmlns:ma14="http://schemas.microsoft.com/office/mac/drawingml/2011/main" val="1"/>
             </a:ext>
           </a:extLst>
         </p:spPr>
@@ -5921,7 +5904,7 @@
             </a:ln>
             <a:extLst>
               <a:ext uri="{C572A759-6A51-4108-AA02-DFA0A04FC94B}">
-                <ma14:wrappingTextBoxFlag xmlns:ma14="http://schemas.microsoft.com/office/mac/drawingml/2011/main" xmlns="" val="1"/>
+                <ma14:wrappingTextBoxFlag xmlns="" xmlns:ma14="http://schemas.microsoft.com/office/mac/drawingml/2011/main" val="1"/>
               </a:ext>
             </a:extLst>
           </p:spPr>
@@ -6090,7 +6073,7 @@
             </a:ln>
             <a:extLst>
               <a:ext uri="{C572A759-6A51-4108-AA02-DFA0A04FC94B}">
-                <ma14:wrappingTextBoxFlag xmlns:ma14="http://schemas.microsoft.com/office/mac/drawingml/2011/main" xmlns="" val="1"/>
+                <ma14:wrappingTextBoxFlag xmlns="" xmlns:ma14="http://schemas.microsoft.com/office/mac/drawingml/2011/main" val="1"/>
               </a:ext>
             </a:extLst>
           </p:spPr>
@@ -6141,7 +6124,7 @@
             </a:ln>
             <a:extLst>
               <a:ext uri="{C572A759-6A51-4108-AA02-DFA0A04FC94B}">
-                <ma14:wrappingTextBoxFlag xmlns:ma14="http://schemas.microsoft.com/office/mac/drawingml/2011/main" xmlns="" val="1"/>
+                <ma14:wrappingTextBoxFlag xmlns="" xmlns:ma14="http://schemas.microsoft.com/office/mac/drawingml/2011/main" val="1"/>
               </a:ext>
             </a:extLst>
           </p:spPr>
@@ -6304,7 +6287,7 @@
             </a:ln>
             <a:extLst>
               <a:ext uri="{C572A759-6A51-4108-AA02-DFA0A04FC94B}">
-                <ma14:wrappingTextBoxFlag xmlns:ma14="http://schemas.microsoft.com/office/mac/drawingml/2011/main" xmlns="" val="1"/>
+                <ma14:wrappingTextBoxFlag xmlns="" xmlns:ma14="http://schemas.microsoft.com/office/mac/drawingml/2011/main" val="1"/>
               </a:ext>
             </a:extLst>
           </p:spPr>
@@ -6488,7 +6471,7 @@
             </a:ln>
             <a:extLst>
               <a:ext uri="{C572A759-6A51-4108-AA02-DFA0A04FC94B}">
-                <ma14:wrappingTextBoxFlag xmlns:ma14="http://schemas.microsoft.com/office/mac/drawingml/2011/main" xmlns="" val="1"/>
+                <ma14:wrappingTextBoxFlag xmlns="" xmlns:ma14="http://schemas.microsoft.com/office/mac/drawingml/2011/main" val="1"/>
               </a:ext>
             </a:extLst>
           </p:spPr>
@@ -6582,7 +6565,7 @@
             </a:ln>
             <a:extLst>
               <a:ext uri="{C572A759-6A51-4108-AA02-DFA0A04FC94B}">
-                <ma14:wrappingTextBoxFlag xmlns:ma14="http://schemas.microsoft.com/office/mac/drawingml/2011/main" xmlns="" val="1"/>
+                <ma14:wrappingTextBoxFlag xmlns="" xmlns:ma14="http://schemas.microsoft.com/office/mac/drawingml/2011/main" val="1"/>
               </a:ext>
             </a:extLst>
           </p:spPr>
@@ -6630,7 +6613,7 @@
             </a:ln>
             <a:extLst>
               <a:ext uri="{C572A759-6A51-4108-AA02-DFA0A04FC94B}">
-                <ma14:wrappingTextBoxFlag xmlns:ma14="http://schemas.microsoft.com/office/mac/drawingml/2011/main" xmlns="" val="1"/>
+                <ma14:wrappingTextBoxFlag xmlns="" xmlns:ma14="http://schemas.microsoft.com/office/mac/drawingml/2011/main" val="1"/>
               </a:ext>
             </a:extLst>
           </p:spPr>
@@ -6678,7 +6661,7 @@
             </a:ln>
             <a:extLst>
               <a:ext uri="{C572A759-6A51-4108-AA02-DFA0A04FC94B}">
-                <ma14:wrappingTextBoxFlag xmlns:ma14="http://schemas.microsoft.com/office/mac/drawingml/2011/main" xmlns="" val="1"/>
+                <ma14:wrappingTextBoxFlag xmlns="" xmlns:ma14="http://schemas.microsoft.com/office/mac/drawingml/2011/main" val="1"/>
               </a:ext>
             </a:extLst>
           </p:spPr>
@@ -6726,7 +6709,7 @@
             </a:ln>
             <a:extLst>
               <a:ext uri="{C572A759-6A51-4108-AA02-DFA0A04FC94B}">
-                <ma14:wrappingTextBoxFlag xmlns:ma14="http://schemas.microsoft.com/office/mac/drawingml/2011/main" xmlns="" val="1"/>
+                <ma14:wrappingTextBoxFlag xmlns="" xmlns:ma14="http://schemas.microsoft.com/office/mac/drawingml/2011/main" val="1"/>
               </a:ext>
             </a:extLst>
           </p:spPr>
@@ -6774,7 +6757,7 @@
             </a:ln>
             <a:extLst>
               <a:ext uri="{C572A759-6A51-4108-AA02-DFA0A04FC94B}">
-                <ma14:wrappingTextBoxFlag xmlns:ma14="http://schemas.microsoft.com/office/mac/drawingml/2011/main" xmlns="" val="1"/>
+                <ma14:wrappingTextBoxFlag xmlns="" xmlns:ma14="http://schemas.microsoft.com/office/mac/drawingml/2011/main" val="1"/>
               </a:ext>
             </a:extLst>
           </p:spPr>
@@ -6823,7 +6806,7 @@
             </a:ln>
             <a:extLst>
               <a:ext uri="{C572A759-6A51-4108-AA02-DFA0A04FC94B}">
-                <ma14:wrappingTextBoxFlag xmlns:ma14="http://schemas.microsoft.com/office/mac/drawingml/2011/main" xmlns="" val="1"/>
+                <ma14:wrappingTextBoxFlag xmlns="" xmlns:ma14="http://schemas.microsoft.com/office/mac/drawingml/2011/main" val="1"/>
               </a:ext>
             </a:extLst>
           </p:spPr>
@@ -6871,7 +6854,7 @@
             </a:ln>
             <a:extLst>
               <a:ext uri="{C572A759-6A51-4108-AA02-DFA0A04FC94B}">
-                <ma14:wrappingTextBoxFlag xmlns:ma14="http://schemas.microsoft.com/office/mac/drawingml/2011/main" xmlns="" val="1"/>
+                <ma14:wrappingTextBoxFlag xmlns="" xmlns:ma14="http://schemas.microsoft.com/office/mac/drawingml/2011/main" val="1"/>
               </a:ext>
             </a:extLst>
           </p:spPr>
@@ -6900,10 +6883,10 @@
       </p:grpSp>
       <p:sp>
         <p:nvSpPr>
-          <p:cNvPr id="46" name="Shape 127">
+          <p:cNvPr id="36" name="Shape 146">
             <a:extLst>
               <a:ext uri="{FF2B5EF4-FFF2-40B4-BE49-F238E27FC236}">
-                <a16:creationId xmlns:a16="http://schemas.microsoft.com/office/drawing/2014/main" id="{5B32E6BF-D60C-AE4B-96DF-02B45CFDEA83}"/>
+                <a16:creationId xmlns:a16="http://schemas.microsoft.com/office/drawing/2014/main" id="{19E81EDC-26CA-7E4A-9EE2-9B675AD274AF}"/>
               </a:ext>
             </a:extLst>
           </p:cNvPr>
@@ -6912,8 +6895,8 @@
         </p:nvSpPr>
         <p:spPr>
           <a:xfrm>
-            <a:off x="16334649" y="12351216"/>
-            <a:ext cx="7535780" cy="1067599"/>
+            <a:off x="1334644" y="6636377"/>
+            <a:ext cx="21354888" cy="2606482"/>
           </a:xfrm>
           <a:prstGeom prst="rect">
             <a:avLst/>
@@ -6923,17 +6906,71 @@
           </a:ln>
           <a:extLst>
             <a:ext uri="{C572A759-6A51-4108-AA02-DFA0A04FC94B}">
-              <ma14:wrappingTextBoxFlag xmlns:ma14="http://schemas.microsoft.com/office/mac/drawingml/2011/main" xmlns="" val="1"/>
+              <ma14:wrappingTextBoxFlag xmlns="" xmlns:ma14="http://schemas.microsoft.com/office/mac/drawingml/2011/main" val="1"/>
             </a:ext>
           </a:extLst>
         </p:spPr>
         <p:txBody>
-          <a:bodyPr wrap="none" lIns="71437" tIns="71437" rIns="71437" bIns="71437" anchor="ctr">
+          <a:bodyPr lIns="71437" tIns="71437" rIns="71437" bIns="71437">
+            <a:spAutoFit/>
+          </a:bodyPr>
+          <a:lstStyle>
+            <a:lvl1pPr algn="l">
+              <a:defRPr b="0">
+                <a:latin typeface="Montserrat Medium"/>
+                <a:ea typeface="Montserrat Medium"/>
+                <a:cs typeface="Montserrat Medium"/>
+                <a:sym typeface="Montserrat Medium"/>
+              </a:defRPr>
+            </a:lvl1pPr>
+          </a:lstStyle>
+          <a:p>
+            <a:r>
+              <a:rPr lang="en-AU" dirty="0"/>
+              <a:t>In this exercise, you will create an empathy map to visualise a set of qualitative data and to develop empathy with your user. If you don’t have your own data, use the resources provided on the companion website. Focus on your own design problem, or follow the ‘Health and Wellbeing’ brief (p.201). See p.202 for an example of an empathy map.</a:t>
+            </a:r>
+          </a:p>
+          <a:p>
+            <a:endParaRPr dirty="0"/>
+          </a:p>
+        </p:txBody>
+      </p:sp>
+      <p:sp>
+        <p:nvSpPr>
+          <p:cNvPr id="37" name="Shape 127">
+            <a:extLst>
+              <a:ext uri="{FF2B5EF4-FFF2-40B4-BE49-F238E27FC236}">
+                <a16:creationId xmlns:a16="http://schemas.microsoft.com/office/drawing/2014/main" id="{26011FE0-8D82-E742-B07A-28EFA32015A1}"/>
+              </a:ext>
+            </a:extLst>
+          </p:cNvPr>
+          <p:cNvSpPr/>
+          <p:nvPr/>
+        </p:nvSpPr>
+        <p:spPr>
+          <a:xfrm>
+            <a:off x="11676185" y="12505104"/>
+            <a:ext cx="12194244" cy="759822"/>
+          </a:xfrm>
+          <a:prstGeom prst="rect">
+            <a:avLst/>
+          </a:prstGeom>
+          <a:ln w="12700">
+            <a:miter lim="400000"/>
+          </a:ln>
+          <a:extLst>
+            <a:ext uri="{C572A759-6A51-4108-AA02-DFA0A04FC94B}">
+              <ma14:wrappingTextBoxFlag xmlns="" xmlns:ma14="http://schemas.microsoft.com/office/mac/drawingml/2011/main" val="1"/>
+            </a:ext>
+          </a:extLst>
+        </p:spPr>
+        <p:txBody>
+          <a:bodyPr wrap="square" lIns="71437" tIns="71437" rIns="71437" bIns="71437" anchor="ctr">
             <a:spAutoFit/>
           </a:bodyPr>
           <a:lstStyle/>
           <a:p>
-            <a:pPr algn="r">
+            <a:pPr algn="l">
               <a:defRPr sz="2000" b="0">
                 <a:solidFill>
                   <a:srgbClr val="919191"/>
@@ -6972,84 +7009,13 @@
             </a:r>
             <a:r>
               <a:rPr lang="en-AU" dirty="0"/>
-              <a:t>/</a:t>
-            </a:r>
-          </a:p>
-          <a:p>
-            <a:pPr algn="r">
-              <a:defRPr sz="2000" b="0">
-                <a:solidFill>
-                  <a:srgbClr val="919191"/>
-                </a:solidFill>
-                <a:latin typeface="Montserrat Medium"/>
-                <a:ea typeface="Montserrat Medium"/>
-                <a:cs typeface="Montserrat Medium"/>
-                <a:sym typeface="Montserrat Medium"/>
-              </a:defRPr>
-            </a:pPr>
-            <a:r>
-              <a:rPr lang="en-AU" dirty="0"/>
-              <a:t>photos/</a:t>
+              <a:t>/photos/</a:t>
             </a:r>
             <a:r>
               <a:rPr lang="en-AU" dirty="0" err="1"/>
               <a:t>qmnpqDwla_E</a:t>
             </a:r>
             <a:endParaRPr lang="en-AU" dirty="0"/>
-          </a:p>
-        </p:txBody>
-      </p:sp>
-      <p:sp>
-        <p:nvSpPr>
-          <p:cNvPr id="36" name="Shape 146">
-            <a:extLst>
-              <a:ext uri="{FF2B5EF4-FFF2-40B4-BE49-F238E27FC236}">
-                <a16:creationId xmlns:a16="http://schemas.microsoft.com/office/drawing/2014/main" id="{19E81EDC-26CA-7E4A-9EE2-9B675AD274AF}"/>
-              </a:ext>
-            </a:extLst>
-          </p:cNvPr>
-          <p:cNvSpPr/>
-          <p:nvPr/>
-        </p:nvSpPr>
-        <p:spPr>
-          <a:xfrm>
-            <a:off x="1334644" y="6636377"/>
-            <a:ext cx="21354888" cy="2606482"/>
-          </a:xfrm>
-          <a:prstGeom prst="rect">
-            <a:avLst/>
-          </a:prstGeom>
-          <a:ln w="12700">
-            <a:miter lim="400000"/>
-          </a:ln>
-          <a:extLst>
-            <a:ext uri="{C572A759-6A51-4108-AA02-DFA0A04FC94B}">
-              <ma14:wrappingTextBoxFlag xmlns:ma14="http://schemas.microsoft.com/office/mac/drawingml/2011/main" xmlns="" val="1"/>
-            </a:ext>
-          </a:extLst>
-        </p:spPr>
-        <p:txBody>
-          <a:bodyPr lIns="71437" tIns="71437" rIns="71437" bIns="71437">
-            <a:spAutoFit/>
-          </a:bodyPr>
-          <a:lstStyle>
-            <a:lvl1pPr algn="l">
-              <a:defRPr b="0">
-                <a:latin typeface="Montserrat Medium"/>
-                <a:ea typeface="Montserrat Medium"/>
-                <a:cs typeface="Montserrat Medium"/>
-                <a:sym typeface="Montserrat Medium"/>
-              </a:defRPr>
-            </a:lvl1pPr>
-          </a:lstStyle>
-          <a:p>
-            <a:r>
-              <a:rPr lang="en-AU" dirty="0"/>
-              <a:t>In this exercise, you will create an empathy map to visualise a set of qualitative data and to develop empathy with your user. If you don’t have your own data, use the resources provided on the companion website. Focus on your own design problem, or follow the ‘Health and Wellbeing’ brief (p.201). See p.202 for an example of an empathy map.</a:t>
-            </a:r>
-          </a:p>
-          <a:p>
-            <a:endParaRPr dirty="0"/>
           </a:p>
         </p:txBody>
       </p:sp>
@@ -7104,7 +7070,7 @@
           </a:ln>
           <a:extLst>
             <a:ext uri="{C572A759-6A51-4108-AA02-DFA0A04FC94B}">
-              <ma14:wrappingTextBoxFlag xmlns:ma14="http://schemas.microsoft.com/office/mac/drawingml/2011/main" xmlns="" val="1"/>
+              <ma14:wrappingTextBoxFlag xmlns="" xmlns:ma14="http://schemas.microsoft.com/office/mac/drawingml/2011/main" val="1"/>
             </a:ext>
           </a:extLst>
         </p:spPr>
@@ -7162,7 +7128,7 @@
           </a:ln>
           <a:extLst>
             <a:ext uri="{C572A759-6A51-4108-AA02-DFA0A04FC94B}">
-              <ma14:wrappingTextBoxFlag xmlns:ma14="http://schemas.microsoft.com/office/mac/drawingml/2011/main" xmlns="" val="1"/>
+              <ma14:wrappingTextBoxFlag xmlns="" xmlns:ma14="http://schemas.microsoft.com/office/mac/drawingml/2011/main" val="1"/>
             </a:ext>
           </a:extLst>
         </p:spPr>
@@ -7224,7 +7190,7 @@
           </a:ln>
           <a:extLst>
             <a:ext uri="{C572A759-6A51-4108-AA02-DFA0A04FC94B}">
-              <ma14:wrappingTextBoxFlag xmlns:ma14="http://schemas.microsoft.com/office/mac/drawingml/2011/main" xmlns="" val="1"/>
+              <ma14:wrappingTextBoxFlag xmlns="" xmlns:ma14="http://schemas.microsoft.com/office/mac/drawingml/2011/main" val="1"/>
             </a:ext>
           </a:extLst>
         </p:spPr>
@@ -7285,7 +7251,7 @@
           </a:ln>
           <a:extLst>
             <a:ext uri="{C572A759-6A51-4108-AA02-DFA0A04FC94B}">
-              <ma14:wrappingTextBoxFlag xmlns:ma14="http://schemas.microsoft.com/office/mac/drawingml/2011/main" xmlns="" val="1"/>
+              <ma14:wrappingTextBoxFlag xmlns="" xmlns:ma14="http://schemas.microsoft.com/office/mac/drawingml/2011/main" val="1"/>
             </a:ext>
           </a:extLst>
         </p:spPr>
@@ -7343,7 +7309,7 @@
           </a:ln>
           <a:extLst>
             <a:ext uri="{C572A759-6A51-4108-AA02-DFA0A04FC94B}">
-              <ma14:wrappingTextBoxFlag xmlns:ma14="http://schemas.microsoft.com/office/mac/drawingml/2011/main" xmlns="" val="1"/>
+              <ma14:wrappingTextBoxFlag xmlns="" xmlns:ma14="http://schemas.microsoft.com/office/mac/drawingml/2011/main" val="1"/>
             </a:ext>
           </a:extLst>
         </p:spPr>
@@ -7405,7 +7371,7 @@
           </a:ln>
           <a:extLst>
             <a:ext uri="{C572A759-6A51-4108-AA02-DFA0A04FC94B}">
-              <ma14:wrappingTextBoxFlag xmlns:ma14="http://schemas.microsoft.com/office/mac/drawingml/2011/main" xmlns="" val="1"/>
+              <ma14:wrappingTextBoxFlag xmlns="" xmlns:ma14="http://schemas.microsoft.com/office/mac/drawingml/2011/main" val="1"/>
             </a:ext>
           </a:extLst>
         </p:spPr>
@@ -7467,7 +7433,7 @@
           </a:ln>
           <a:extLst>
             <a:ext uri="{C572A759-6A51-4108-AA02-DFA0A04FC94B}">
-              <ma14:wrappingTextBoxFlag xmlns:ma14="http://schemas.microsoft.com/office/mac/drawingml/2011/main" xmlns="" val="1"/>
+              <ma14:wrappingTextBoxFlag xmlns="" xmlns:ma14="http://schemas.microsoft.com/office/mac/drawingml/2011/main" val="1"/>
             </a:ext>
           </a:extLst>
         </p:spPr>
@@ -7592,7 +7558,7 @@
           </a:ln>
           <a:extLst>
             <a:ext uri="{C572A759-6A51-4108-AA02-DFA0A04FC94B}">
-              <ma14:wrappingTextBoxFlag xmlns:ma14="http://schemas.microsoft.com/office/mac/drawingml/2011/main" xmlns="" val="1"/>
+              <ma14:wrappingTextBoxFlag xmlns="" xmlns:ma14="http://schemas.microsoft.com/office/mac/drawingml/2011/main" val="1"/>
             </a:ext>
           </a:extLst>
         </p:spPr>
@@ -7863,7 +7829,7 @@
             </a:ln>
             <a:extLst>
               <a:ext uri="{C572A759-6A51-4108-AA02-DFA0A04FC94B}">
-                <ma14:wrappingTextBoxFlag xmlns:ma14="http://schemas.microsoft.com/office/mac/drawingml/2011/main" xmlns="" val="1"/>
+                <ma14:wrappingTextBoxFlag xmlns="" xmlns:ma14="http://schemas.microsoft.com/office/mac/drawingml/2011/main" val="1"/>
               </a:ext>
             </a:extLst>
           </p:spPr>
@@ -7924,7 +7890,7 @@
             </a:ln>
             <a:extLst>
               <a:ext uri="{C572A759-6A51-4108-AA02-DFA0A04FC94B}">
-                <ma14:wrappingTextBoxFlag xmlns:ma14="http://schemas.microsoft.com/office/mac/drawingml/2011/main" xmlns="" val="1"/>
+                <ma14:wrappingTextBoxFlag xmlns="" xmlns:ma14="http://schemas.microsoft.com/office/mac/drawingml/2011/main" val="1"/>
               </a:ext>
             </a:extLst>
           </p:spPr>
@@ -7981,7 +7947,7 @@
             </a:ln>
             <a:extLst>
               <a:ext uri="{C572A759-6A51-4108-AA02-DFA0A04FC94B}">
-                <ma14:wrappingTextBoxFlag xmlns:ma14="http://schemas.microsoft.com/office/mac/drawingml/2011/main" xmlns="" val="1"/>
+                <ma14:wrappingTextBoxFlag xmlns="" xmlns:ma14="http://schemas.microsoft.com/office/mac/drawingml/2011/main" val="1"/>
               </a:ext>
             </a:extLst>
           </p:spPr>
@@ -8158,7 +8124,7 @@
             </a:ln>
             <a:extLst>
               <a:ext uri="{C572A759-6A51-4108-AA02-DFA0A04FC94B}">
-                <ma14:wrappingTextBoxFlag xmlns:ma14="http://schemas.microsoft.com/office/mac/drawingml/2011/main" xmlns="" val="1"/>
+                <ma14:wrappingTextBoxFlag xmlns="" xmlns:ma14="http://schemas.microsoft.com/office/mac/drawingml/2011/main" val="1"/>
               </a:ext>
             </a:extLst>
           </p:spPr>
@@ -8285,7 +8251,7 @@
             </a:ln>
             <a:extLst>
               <a:ext uri="{C572A759-6A51-4108-AA02-DFA0A04FC94B}">
-                <ma14:wrappingTextBoxFlag xmlns:ma14="http://schemas.microsoft.com/office/mac/drawingml/2011/main" xmlns="" val="1"/>
+                <ma14:wrappingTextBoxFlag xmlns="" xmlns:ma14="http://schemas.microsoft.com/office/mac/drawingml/2011/main" val="1"/>
               </a:ext>
             </a:extLst>
           </p:spPr>
@@ -8387,7 +8353,7 @@
             </a:ln>
             <a:extLst>
               <a:ext uri="{C572A759-6A51-4108-AA02-DFA0A04FC94B}">
-                <ma14:wrappingTextBoxFlag xmlns:ma14="http://schemas.microsoft.com/office/mac/drawingml/2011/main" xmlns="" val="1"/>
+                <ma14:wrappingTextBoxFlag xmlns="" xmlns:ma14="http://schemas.microsoft.com/office/mac/drawingml/2011/main" val="1"/>
               </a:ext>
             </a:extLst>
           </p:spPr>
@@ -8441,7 +8407,7 @@
             </a:ln>
             <a:extLst>
               <a:ext uri="{C572A759-6A51-4108-AA02-DFA0A04FC94B}">
-                <ma14:wrappingTextBoxFlag xmlns:ma14="http://schemas.microsoft.com/office/mac/drawingml/2011/main" xmlns="" val="1"/>
+                <ma14:wrappingTextBoxFlag xmlns="" xmlns:ma14="http://schemas.microsoft.com/office/mac/drawingml/2011/main" val="1"/>
               </a:ext>
             </a:extLst>
           </p:spPr>
@@ -8495,7 +8461,7 @@
             </a:ln>
             <a:extLst>
               <a:ext uri="{C572A759-6A51-4108-AA02-DFA0A04FC94B}">
-                <ma14:wrappingTextBoxFlag xmlns:ma14="http://schemas.microsoft.com/office/mac/drawingml/2011/main" xmlns="" val="1"/>
+                <ma14:wrappingTextBoxFlag xmlns="" xmlns:ma14="http://schemas.microsoft.com/office/mac/drawingml/2011/main" val="1"/>
               </a:ext>
             </a:extLst>
           </p:spPr>
@@ -8549,7 +8515,7 @@
             </a:ln>
             <a:extLst>
               <a:ext uri="{C572A759-6A51-4108-AA02-DFA0A04FC94B}">
-                <ma14:wrappingTextBoxFlag xmlns:ma14="http://schemas.microsoft.com/office/mac/drawingml/2011/main" xmlns="" val="1"/>
+                <ma14:wrappingTextBoxFlag xmlns="" xmlns:ma14="http://schemas.microsoft.com/office/mac/drawingml/2011/main" val="1"/>
               </a:ext>
             </a:extLst>
           </p:spPr>
@@ -8603,7 +8569,7 @@
             </a:ln>
             <a:extLst>
               <a:ext uri="{C572A759-6A51-4108-AA02-DFA0A04FC94B}">
-                <ma14:wrappingTextBoxFlag xmlns:ma14="http://schemas.microsoft.com/office/mac/drawingml/2011/main" xmlns="" val="1"/>
+                <ma14:wrappingTextBoxFlag xmlns="" xmlns:ma14="http://schemas.microsoft.com/office/mac/drawingml/2011/main" val="1"/>
               </a:ext>
             </a:extLst>
           </p:spPr>
@@ -8657,7 +8623,7 @@
             </a:ln>
             <a:extLst>
               <a:ext uri="{C572A759-6A51-4108-AA02-DFA0A04FC94B}">
-                <ma14:wrappingTextBoxFlag xmlns:ma14="http://schemas.microsoft.com/office/mac/drawingml/2011/main" xmlns="" val="1"/>
+                <ma14:wrappingTextBoxFlag xmlns="" xmlns:ma14="http://schemas.microsoft.com/office/mac/drawingml/2011/main" val="1"/>
               </a:ext>
             </a:extLst>
           </p:spPr>
@@ -8711,7 +8677,7 @@
             </a:ln>
             <a:extLst>
               <a:ext uri="{C572A759-6A51-4108-AA02-DFA0A04FC94B}">
-                <ma14:wrappingTextBoxFlag xmlns:ma14="http://schemas.microsoft.com/office/mac/drawingml/2011/main" xmlns="" val="1"/>
+                <ma14:wrappingTextBoxFlag xmlns="" xmlns:ma14="http://schemas.microsoft.com/office/mac/drawingml/2011/main" val="1"/>
               </a:ext>
             </a:extLst>
           </p:spPr>
@@ -9018,7 +8984,7 @@
             </a:ln>
             <a:extLst>
               <a:ext uri="{C572A759-6A51-4108-AA02-DFA0A04FC94B}">
-                <ma14:wrappingTextBoxFlag xmlns:ma14="http://schemas.microsoft.com/office/mac/drawingml/2011/main" xmlns="" val="1"/>
+                <ma14:wrappingTextBoxFlag xmlns="" xmlns:ma14="http://schemas.microsoft.com/office/mac/drawingml/2011/main" val="1"/>
               </a:ext>
             </a:extLst>
           </p:spPr>
@@ -9205,7 +9171,7 @@
             </a:ln>
             <a:extLst>
               <a:ext uri="{C572A759-6A51-4108-AA02-DFA0A04FC94B}">
-                <ma14:wrappingTextBoxFlag xmlns:ma14="http://schemas.microsoft.com/office/mac/drawingml/2011/main" xmlns="" val="1"/>
+                <ma14:wrappingTextBoxFlag xmlns="" xmlns:ma14="http://schemas.microsoft.com/office/mac/drawingml/2011/main" val="1"/>
               </a:ext>
             </a:extLst>
           </p:spPr>
@@ -9385,7 +9351,7 @@
             </a:ln>
             <a:extLst>
               <a:ext uri="{C572A759-6A51-4108-AA02-DFA0A04FC94B}">
-                <ma14:wrappingTextBoxFlag xmlns:ma14="http://schemas.microsoft.com/office/mac/drawingml/2011/main" xmlns="" val="1"/>
+                <ma14:wrappingTextBoxFlag xmlns="" xmlns:ma14="http://schemas.microsoft.com/office/mac/drawingml/2011/main" val="1"/>
               </a:ext>
             </a:extLst>
           </p:spPr>
@@ -9587,7 +9553,7 @@
             </a:ln>
             <a:extLst>
               <a:ext uri="{C572A759-6A51-4108-AA02-DFA0A04FC94B}">
-                <ma14:wrappingTextBoxFlag xmlns:ma14="http://schemas.microsoft.com/office/mac/drawingml/2011/main" xmlns="" val="1"/>
+                <ma14:wrappingTextBoxFlag xmlns="" xmlns:ma14="http://schemas.microsoft.com/office/mac/drawingml/2011/main" val="1"/>
               </a:ext>
             </a:extLst>
           </p:spPr>
@@ -9693,7 +9659,7 @@
             </a:ln>
             <a:extLst>
               <a:ext uri="{C572A759-6A51-4108-AA02-DFA0A04FC94B}">
-                <ma14:wrappingTextBoxFlag xmlns:ma14="http://schemas.microsoft.com/office/mac/drawingml/2011/main" xmlns="" val="1"/>
+                <ma14:wrappingTextBoxFlag xmlns="" xmlns:ma14="http://schemas.microsoft.com/office/mac/drawingml/2011/main" val="1"/>
               </a:ext>
             </a:extLst>
           </p:spPr>
@@ -9747,7 +9713,7 @@
             </a:ln>
             <a:extLst>
               <a:ext uri="{C572A759-6A51-4108-AA02-DFA0A04FC94B}">
-                <ma14:wrappingTextBoxFlag xmlns:ma14="http://schemas.microsoft.com/office/mac/drawingml/2011/main" xmlns="" val="1"/>
+                <ma14:wrappingTextBoxFlag xmlns="" xmlns:ma14="http://schemas.microsoft.com/office/mac/drawingml/2011/main" val="1"/>
               </a:ext>
             </a:extLst>
           </p:spPr>
@@ -9801,7 +9767,7 @@
             </a:ln>
             <a:extLst>
               <a:ext uri="{C572A759-6A51-4108-AA02-DFA0A04FC94B}">
-                <ma14:wrappingTextBoxFlag xmlns:ma14="http://schemas.microsoft.com/office/mac/drawingml/2011/main" xmlns="" val="1"/>
+                <ma14:wrappingTextBoxFlag xmlns="" xmlns:ma14="http://schemas.microsoft.com/office/mac/drawingml/2011/main" val="1"/>
               </a:ext>
             </a:extLst>
           </p:spPr>
@@ -9855,7 +9821,7 @@
             </a:ln>
             <a:extLst>
               <a:ext uri="{C572A759-6A51-4108-AA02-DFA0A04FC94B}">
-                <ma14:wrappingTextBoxFlag xmlns:ma14="http://schemas.microsoft.com/office/mac/drawingml/2011/main" xmlns="" val="1"/>
+                <ma14:wrappingTextBoxFlag xmlns="" xmlns:ma14="http://schemas.microsoft.com/office/mac/drawingml/2011/main" val="1"/>
               </a:ext>
             </a:extLst>
           </p:spPr>
@@ -9910,7 +9876,7 @@
             </a:ln>
             <a:extLst>
               <a:ext uri="{C572A759-6A51-4108-AA02-DFA0A04FC94B}">
-                <ma14:wrappingTextBoxFlag xmlns:ma14="http://schemas.microsoft.com/office/mac/drawingml/2011/main" xmlns="" val="1"/>
+                <ma14:wrappingTextBoxFlag xmlns="" xmlns:ma14="http://schemas.microsoft.com/office/mac/drawingml/2011/main" val="1"/>
               </a:ext>
             </a:extLst>
           </p:spPr>
@@ -9964,7 +9930,7 @@
             </a:ln>
             <a:extLst>
               <a:ext uri="{C572A759-6A51-4108-AA02-DFA0A04FC94B}">
-                <ma14:wrappingTextBoxFlag xmlns:ma14="http://schemas.microsoft.com/office/mac/drawingml/2011/main" xmlns="" val="1"/>
+                <ma14:wrappingTextBoxFlag xmlns="" xmlns:ma14="http://schemas.microsoft.com/office/mac/drawingml/2011/main" val="1"/>
               </a:ext>
             </a:extLst>
           </p:spPr>
@@ -9993,10 +9959,10 @@
       </p:grpSp>
       <p:sp>
         <p:nvSpPr>
-          <p:cNvPr id="54" name="Shape 127">
+          <p:cNvPr id="55" name="Shape 127">
             <a:extLst>
               <a:ext uri="{FF2B5EF4-FFF2-40B4-BE49-F238E27FC236}">
-                <a16:creationId xmlns:a16="http://schemas.microsoft.com/office/drawing/2014/main" id="{729361EC-D129-CF4C-BF6B-7902FFAE4A75}"/>
+                <a16:creationId xmlns:a16="http://schemas.microsoft.com/office/drawing/2014/main" id="{135441DD-82B9-9B47-8C80-4F1920A70A99}"/>
               </a:ext>
             </a:extLst>
           </p:cNvPr>
@@ -10005,8 +9971,8 @@
         </p:nvSpPr>
         <p:spPr>
           <a:xfrm>
-            <a:off x="16334649" y="12351216"/>
-            <a:ext cx="7535780" cy="1067599"/>
+            <a:off x="11676185" y="12505104"/>
+            <a:ext cx="12194244" cy="759822"/>
           </a:xfrm>
           <a:prstGeom prst="rect">
             <a:avLst/>
@@ -10016,17 +9982,17 @@
           </a:ln>
           <a:extLst>
             <a:ext uri="{C572A759-6A51-4108-AA02-DFA0A04FC94B}">
-              <ma14:wrappingTextBoxFlag xmlns:ma14="http://schemas.microsoft.com/office/mac/drawingml/2011/main" xmlns="" val="1"/>
+              <ma14:wrappingTextBoxFlag xmlns="" xmlns:ma14="http://schemas.microsoft.com/office/mac/drawingml/2011/main" val="1"/>
             </a:ext>
           </a:extLst>
         </p:spPr>
         <p:txBody>
-          <a:bodyPr wrap="none" lIns="71437" tIns="71437" rIns="71437" bIns="71437" anchor="ctr">
+          <a:bodyPr wrap="square" lIns="71437" tIns="71437" rIns="71437" bIns="71437" anchor="ctr">
             <a:spAutoFit/>
           </a:bodyPr>
           <a:lstStyle/>
           <a:p>
-            <a:pPr algn="r">
+            <a:pPr algn="l">
               <a:defRPr sz="2000" b="0">
                 <a:solidFill>
                   <a:srgbClr val="919191"/>
@@ -10065,24 +10031,7 @@
             </a:r>
             <a:r>
               <a:rPr lang="en-AU" dirty="0"/>
-              <a:t>/</a:t>
-            </a:r>
-          </a:p>
-          <a:p>
-            <a:pPr algn="r">
-              <a:defRPr sz="2000" b="0">
-                <a:solidFill>
-                  <a:srgbClr val="919191"/>
-                </a:solidFill>
-                <a:latin typeface="Montserrat Medium"/>
-                <a:ea typeface="Montserrat Medium"/>
-                <a:cs typeface="Montserrat Medium"/>
-                <a:sym typeface="Montserrat Medium"/>
-              </a:defRPr>
-            </a:pPr>
-            <a:r>
-              <a:rPr lang="en-AU" dirty="0"/>
-              <a:t>photos/</a:t>
+              <a:t>/photos/</a:t>
             </a:r>
             <a:r>
               <a:rPr lang="en-AU" dirty="0" err="1"/>
@@ -10143,7 +10092,7 @@
           </a:ln>
           <a:extLst>
             <a:ext uri="{C572A759-6A51-4108-AA02-DFA0A04FC94B}">
-              <ma14:wrappingTextBoxFlag xmlns:ma14="http://schemas.microsoft.com/office/mac/drawingml/2011/main" xmlns="" val="1"/>
+              <ma14:wrappingTextBoxFlag xmlns="" xmlns:ma14="http://schemas.microsoft.com/office/mac/drawingml/2011/main" val="1"/>
             </a:ext>
           </a:extLst>
         </p:spPr>
@@ -10201,7 +10150,7 @@
           </a:ln>
           <a:extLst>
             <a:ext uri="{C572A759-6A51-4108-AA02-DFA0A04FC94B}">
-              <ma14:wrappingTextBoxFlag xmlns:ma14="http://schemas.microsoft.com/office/mac/drawingml/2011/main" xmlns="" val="1"/>
+              <ma14:wrappingTextBoxFlag xmlns="" xmlns:ma14="http://schemas.microsoft.com/office/mac/drawingml/2011/main" val="1"/>
             </a:ext>
           </a:extLst>
         </p:spPr>
@@ -10263,7 +10212,7 @@
           </a:ln>
           <a:extLst>
             <a:ext uri="{C572A759-6A51-4108-AA02-DFA0A04FC94B}">
-              <ma14:wrappingTextBoxFlag xmlns:ma14="http://schemas.microsoft.com/office/mac/drawingml/2011/main" xmlns="" val="1"/>
+              <ma14:wrappingTextBoxFlag xmlns="" xmlns:ma14="http://schemas.microsoft.com/office/mac/drawingml/2011/main" val="1"/>
             </a:ext>
           </a:extLst>
         </p:spPr>
@@ -10324,7 +10273,7 @@
           </a:ln>
           <a:extLst>
             <a:ext uri="{C572A759-6A51-4108-AA02-DFA0A04FC94B}">
-              <ma14:wrappingTextBoxFlag xmlns:ma14="http://schemas.microsoft.com/office/mac/drawingml/2011/main" xmlns="" val="1"/>
+              <ma14:wrappingTextBoxFlag xmlns="" xmlns:ma14="http://schemas.microsoft.com/office/mac/drawingml/2011/main" val="1"/>
             </a:ext>
           </a:extLst>
         </p:spPr>
@@ -10382,7 +10331,7 @@
           </a:ln>
           <a:extLst>
             <a:ext uri="{C572A759-6A51-4108-AA02-DFA0A04FC94B}">
-              <ma14:wrappingTextBoxFlag xmlns:ma14="http://schemas.microsoft.com/office/mac/drawingml/2011/main" xmlns="" val="1"/>
+              <ma14:wrappingTextBoxFlag xmlns="" xmlns:ma14="http://schemas.microsoft.com/office/mac/drawingml/2011/main" val="1"/>
             </a:ext>
           </a:extLst>
         </p:spPr>
@@ -10444,7 +10393,7 @@
           </a:ln>
           <a:extLst>
             <a:ext uri="{C572A759-6A51-4108-AA02-DFA0A04FC94B}">
-              <ma14:wrappingTextBoxFlag xmlns:ma14="http://schemas.microsoft.com/office/mac/drawingml/2011/main" xmlns="" val="1"/>
+              <ma14:wrappingTextBoxFlag xmlns="" xmlns:ma14="http://schemas.microsoft.com/office/mac/drawingml/2011/main" val="1"/>
             </a:ext>
           </a:extLst>
         </p:spPr>
@@ -10506,7 +10455,7 @@
           </a:ln>
           <a:extLst>
             <a:ext uri="{C572A759-6A51-4108-AA02-DFA0A04FC94B}">
-              <ma14:wrappingTextBoxFlag xmlns:ma14="http://schemas.microsoft.com/office/mac/drawingml/2011/main" xmlns="" val="1"/>
+              <ma14:wrappingTextBoxFlag xmlns="" xmlns:ma14="http://schemas.microsoft.com/office/mac/drawingml/2011/main" val="1"/>
             </a:ext>
           </a:extLst>
         </p:spPr>
@@ -10631,7 +10580,7 @@
           </a:ln>
           <a:extLst>
             <a:ext uri="{C572A759-6A51-4108-AA02-DFA0A04FC94B}">
-              <ma14:wrappingTextBoxFlag xmlns:ma14="http://schemas.microsoft.com/office/mac/drawingml/2011/main" xmlns="" val="1"/>
+              <ma14:wrappingTextBoxFlag xmlns="" xmlns:ma14="http://schemas.microsoft.com/office/mac/drawingml/2011/main" val="1"/>
             </a:ext>
           </a:extLst>
         </p:spPr>
@@ -10767,7 +10716,7 @@
             </a:ln>
             <a:extLst>
               <a:ext uri="{C572A759-6A51-4108-AA02-DFA0A04FC94B}">
-                <ma14:wrappingTextBoxFlag xmlns:ma14="http://schemas.microsoft.com/office/mac/drawingml/2011/main" xmlns="" val="1"/>
+                <ma14:wrappingTextBoxFlag xmlns="" xmlns:ma14="http://schemas.microsoft.com/office/mac/drawingml/2011/main" val="1"/>
               </a:ext>
             </a:extLst>
           </p:spPr>
@@ -10944,7 +10893,7 @@
             </a:ln>
             <a:extLst>
               <a:ext uri="{C572A759-6A51-4108-AA02-DFA0A04FC94B}">
-                <ma14:wrappingTextBoxFlag xmlns:ma14="http://schemas.microsoft.com/office/mac/drawingml/2011/main" xmlns="" val="1"/>
+                <ma14:wrappingTextBoxFlag xmlns="" xmlns:ma14="http://schemas.microsoft.com/office/mac/drawingml/2011/main" val="1"/>
               </a:ext>
             </a:extLst>
           </p:spPr>
@@ -10992,7 +10941,7 @@
             </a:ln>
             <a:extLst>
               <a:ext uri="{C572A759-6A51-4108-AA02-DFA0A04FC94B}">
-                <ma14:wrappingTextBoxFlag xmlns:ma14="http://schemas.microsoft.com/office/mac/drawingml/2011/main" xmlns="" val="1"/>
+                <ma14:wrappingTextBoxFlag xmlns="" xmlns:ma14="http://schemas.microsoft.com/office/mac/drawingml/2011/main" val="1"/>
               </a:ext>
             </a:extLst>
           </p:spPr>
@@ -11040,7 +10989,7 @@
             </a:ln>
             <a:extLst>
               <a:ext uri="{C572A759-6A51-4108-AA02-DFA0A04FC94B}">
-                <ma14:wrappingTextBoxFlag xmlns:ma14="http://schemas.microsoft.com/office/mac/drawingml/2011/main" xmlns="" val="1"/>
+                <ma14:wrappingTextBoxFlag xmlns="" xmlns:ma14="http://schemas.microsoft.com/office/mac/drawingml/2011/main" val="1"/>
               </a:ext>
             </a:extLst>
           </p:spPr>
@@ -11088,7 +11037,7 @@
             </a:ln>
             <a:extLst>
               <a:ext uri="{C572A759-6A51-4108-AA02-DFA0A04FC94B}">
-                <ma14:wrappingTextBoxFlag xmlns:ma14="http://schemas.microsoft.com/office/mac/drawingml/2011/main" xmlns="" val="1"/>
+                <ma14:wrappingTextBoxFlag xmlns="" xmlns:ma14="http://schemas.microsoft.com/office/mac/drawingml/2011/main" val="1"/>
               </a:ext>
             </a:extLst>
           </p:spPr>
@@ -11136,7 +11085,7 @@
             </a:ln>
             <a:extLst>
               <a:ext uri="{C572A759-6A51-4108-AA02-DFA0A04FC94B}">
-                <ma14:wrappingTextBoxFlag xmlns:ma14="http://schemas.microsoft.com/office/mac/drawingml/2011/main" xmlns="" val="1"/>
+                <ma14:wrappingTextBoxFlag xmlns="" xmlns:ma14="http://schemas.microsoft.com/office/mac/drawingml/2011/main" val="1"/>
               </a:ext>
             </a:extLst>
           </p:spPr>
@@ -11184,7 +11133,7 @@
             </a:ln>
             <a:extLst>
               <a:ext uri="{C572A759-6A51-4108-AA02-DFA0A04FC94B}">
-                <ma14:wrappingTextBoxFlag xmlns:ma14="http://schemas.microsoft.com/office/mac/drawingml/2011/main" xmlns="" val="1"/>
+                <ma14:wrappingTextBoxFlag xmlns="" xmlns:ma14="http://schemas.microsoft.com/office/mac/drawingml/2011/main" val="1"/>
               </a:ext>
             </a:extLst>
           </p:spPr>
@@ -11232,7 +11181,7 @@
             </a:ln>
             <a:extLst>
               <a:ext uri="{C572A759-6A51-4108-AA02-DFA0A04FC94B}">
-                <ma14:wrappingTextBoxFlag xmlns:ma14="http://schemas.microsoft.com/office/mac/drawingml/2011/main" xmlns="" val="1"/>
+                <ma14:wrappingTextBoxFlag xmlns="" xmlns:ma14="http://schemas.microsoft.com/office/mac/drawingml/2011/main" val="1"/>
               </a:ext>
             </a:extLst>
           </p:spPr>
@@ -11283,7 +11232,7 @@
             </a:ln>
             <a:extLst>
               <a:ext uri="{C572A759-6A51-4108-AA02-DFA0A04FC94B}">
-                <ma14:wrappingTextBoxFlag xmlns:ma14="http://schemas.microsoft.com/office/mac/drawingml/2011/main" xmlns="" val="1"/>
+                <ma14:wrappingTextBoxFlag xmlns="" xmlns:ma14="http://schemas.microsoft.com/office/mac/drawingml/2011/main" val="1"/>
               </a:ext>
             </a:extLst>
           </p:spPr>
@@ -11560,7 +11509,7 @@
             </a:ln>
             <a:extLst>
               <a:ext uri="{C572A759-6A51-4108-AA02-DFA0A04FC94B}">
-                <ma14:wrappingTextBoxFlag xmlns:ma14="http://schemas.microsoft.com/office/mac/drawingml/2011/main" xmlns="" val="1"/>
+                <ma14:wrappingTextBoxFlag xmlns="" xmlns:ma14="http://schemas.microsoft.com/office/mac/drawingml/2011/main" val="1"/>
               </a:ext>
             </a:extLst>
           </p:spPr>
@@ -11621,7 +11570,7 @@
             </a:ln>
             <a:extLst>
               <a:ext uri="{C572A759-6A51-4108-AA02-DFA0A04FC94B}">
-                <ma14:wrappingTextBoxFlag xmlns:ma14="http://schemas.microsoft.com/office/mac/drawingml/2011/main" xmlns="" val="1"/>
+                <ma14:wrappingTextBoxFlag xmlns="" xmlns:ma14="http://schemas.microsoft.com/office/mac/drawingml/2011/main" val="1"/>
               </a:ext>
             </a:extLst>
           </p:spPr>
@@ -11678,7 +11627,7 @@
             </a:ln>
             <a:extLst>
               <a:ext uri="{C572A759-6A51-4108-AA02-DFA0A04FC94B}">
-                <ma14:wrappingTextBoxFlag xmlns:ma14="http://schemas.microsoft.com/office/mac/drawingml/2011/main" xmlns="" val="1"/>
+                <ma14:wrappingTextBoxFlag xmlns="" xmlns:ma14="http://schemas.microsoft.com/office/mac/drawingml/2011/main" val="1"/>
               </a:ext>
             </a:extLst>
           </p:spPr>
@@ -11855,7 +11804,7 @@
             </a:ln>
             <a:extLst>
               <a:ext uri="{C572A759-6A51-4108-AA02-DFA0A04FC94B}">
-                <ma14:wrappingTextBoxFlag xmlns:ma14="http://schemas.microsoft.com/office/mac/drawingml/2011/main" xmlns="" val="1"/>
+                <ma14:wrappingTextBoxFlag xmlns="" xmlns:ma14="http://schemas.microsoft.com/office/mac/drawingml/2011/main" val="1"/>
               </a:ext>
             </a:extLst>
           </p:spPr>
@@ -11999,7 +11948,7 @@
             </a:ln>
             <a:extLst>
               <a:ext uri="{C572A759-6A51-4108-AA02-DFA0A04FC94B}">
-                <ma14:wrappingTextBoxFlag xmlns:ma14="http://schemas.microsoft.com/office/mac/drawingml/2011/main" xmlns="" val="1"/>
+                <ma14:wrappingTextBoxFlag xmlns="" xmlns:ma14="http://schemas.microsoft.com/office/mac/drawingml/2011/main" val="1"/>
               </a:ext>
             </a:extLst>
           </p:spPr>
@@ -12053,7 +12002,7 @@
             </a:ln>
             <a:extLst>
               <a:ext uri="{C572A759-6A51-4108-AA02-DFA0A04FC94B}">
-                <ma14:wrappingTextBoxFlag xmlns:ma14="http://schemas.microsoft.com/office/mac/drawingml/2011/main" xmlns="" val="1"/>
+                <ma14:wrappingTextBoxFlag xmlns="" xmlns:ma14="http://schemas.microsoft.com/office/mac/drawingml/2011/main" val="1"/>
               </a:ext>
             </a:extLst>
           </p:spPr>
@@ -12107,7 +12056,7 @@
             </a:ln>
             <a:extLst>
               <a:ext uri="{C572A759-6A51-4108-AA02-DFA0A04FC94B}">
-                <ma14:wrappingTextBoxFlag xmlns:ma14="http://schemas.microsoft.com/office/mac/drawingml/2011/main" xmlns="" val="1"/>
+                <ma14:wrappingTextBoxFlag xmlns="" xmlns:ma14="http://schemas.microsoft.com/office/mac/drawingml/2011/main" val="1"/>
               </a:ext>
             </a:extLst>
           </p:spPr>
@@ -12161,7 +12110,7 @@
             </a:ln>
             <a:extLst>
               <a:ext uri="{C572A759-6A51-4108-AA02-DFA0A04FC94B}">
-                <ma14:wrappingTextBoxFlag xmlns:ma14="http://schemas.microsoft.com/office/mac/drawingml/2011/main" xmlns="" val="1"/>
+                <ma14:wrappingTextBoxFlag xmlns="" xmlns:ma14="http://schemas.microsoft.com/office/mac/drawingml/2011/main" val="1"/>
               </a:ext>
             </a:extLst>
           </p:spPr>
@@ -12215,7 +12164,7 @@
             </a:ln>
             <a:extLst>
               <a:ext uri="{C572A759-6A51-4108-AA02-DFA0A04FC94B}">
-                <ma14:wrappingTextBoxFlag xmlns:ma14="http://schemas.microsoft.com/office/mac/drawingml/2011/main" xmlns="" val="1"/>
+                <ma14:wrappingTextBoxFlag xmlns="" xmlns:ma14="http://schemas.microsoft.com/office/mac/drawingml/2011/main" val="1"/>
               </a:ext>
             </a:extLst>
           </p:spPr>
@@ -12269,7 +12218,7 @@
             </a:ln>
             <a:extLst>
               <a:ext uri="{C572A759-6A51-4108-AA02-DFA0A04FC94B}">
-                <ma14:wrappingTextBoxFlag xmlns:ma14="http://schemas.microsoft.com/office/mac/drawingml/2011/main" xmlns="" val="1"/>
+                <ma14:wrappingTextBoxFlag xmlns="" xmlns:ma14="http://schemas.microsoft.com/office/mac/drawingml/2011/main" val="1"/>
               </a:ext>
             </a:extLst>
           </p:spPr>
@@ -12323,7 +12272,7 @@
             </a:ln>
             <a:extLst>
               <a:ext uri="{C572A759-6A51-4108-AA02-DFA0A04FC94B}">
-                <ma14:wrappingTextBoxFlag xmlns:ma14="http://schemas.microsoft.com/office/mac/drawingml/2011/main" xmlns="" val="1"/>
+                <ma14:wrappingTextBoxFlag xmlns="" xmlns:ma14="http://schemas.microsoft.com/office/mac/drawingml/2011/main" val="1"/>
               </a:ext>
             </a:extLst>
           </p:spPr>
@@ -12630,7 +12579,7 @@
             </a:ln>
             <a:extLst>
               <a:ext uri="{C572A759-6A51-4108-AA02-DFA0A04FC94B}">
-                <ma14:wrappingTextBoxFlag xmlns:ma14="http://schemas.microsoft.com/office/mac/drawingml/2011/main" xmlns="" val="1"/>
+                <ma14:wrappingTextBoxFlag xmlns="" xmlns:ma14="http://schemas.microsoft.com/office/mac/drawingml/2011/main" val="1"/>
               </a:ext>
             </a:extLst>
           </p:spPr>
@@ -12817,7 +12766,7 @@
             </a:ln>
             <a:extLst>
               <a:ext uri="{C572A759-6A51-4108-AA02-DFA0A04FC94B}">
-                <ma14:wrappingTextBoxFlag xmlns:ma14="http://schemas.microsoft.com/office/mac/drawingml/2011/main" xmlns="" val="1"/>
+                <ma14:wrappingTextBoxFlag xmlns="" xmlns:ma14="http://schemas.microsoft.com/office/mac/drawingml/2011/main" val="1"/>
               </a:ext>
             </a:extLst>
           </p:spPr>
@@ -12997,7 +12946,7 @@
             </a:ln>
             <a:extLst>
               <a:ext uri="{C572A759-6A51-4108-AA02-DFA0A04FC94B}">
-                <ma14:wrappingTextBoxFlag xmlns:ma14="http://schemas.microsoft.com/office/mac/drawingml/2011/main" xmlns="" val="1"/>
+                <ma14:wrappingTextBoxFlag xmlns="" xmlns:ma14="http://schemas.microsoft.com/office/mac/drawingml/2011/main" val="1"/>
               </a:ext>
             </a:extLst>
           </p:spPr>
@@ -13199,7 +13148,7 @@
             </a:ln>
             <a:extLst>
               <a:ext uri="{C572A759-6A51-4108-AA02-DFA0A04FC94B}">
-                <ma14:wrappingTextBoxFlag xmlns:ma14="http://schemas.microsoft.com/office/mac/drawingml/2011/main" xmlns="" val="1"/>
+                <ma14:wrappingTextBoxFlag xmlns="" xmlns:ma14="http://schemas.microsoft.com/office/mac/drawingml/2011/main" val="1"/>
               </a:ext>
             </a:extLst>
           </p:spPr>
@@ -13305,7 +13254,7 @@
             </a:ln>
             <a:extLst>
               <a:ext uri="{C572A759-6A51-4108-AA02-DFA0A04FC94B}">
-                <ma14:wrappingTextBoxFlag xmlns:ma14="http://schemas.microsoft.com/office/mac/drawingml/2011/main" xmlns="" val="1"/>
+                <ma14:wrappingTextBoxFlag xmlns="" xmlns:ma14="http://schemas.microsoft.com/office/mac/drawingml/2011/main" val="1"/>
               </a:ext>
             </a:extLst>
           </p:spPr>
@@ -13360,7 +13309,7 @@
             </a:ln>
             <a:extLst>
               <a:ext uri="{C572A759-6A51-4108-AA02-DFA0A04FC94B}">
-                <ma14:wrappingTextBoxFlag xmlns:ma14="http://schemas.microsoft.com/office/mac/drawingml/2011/main" xmlns="" val="1"/>
+                <ma14:wrappingTextBoxFlag xmlns="" xmlns:ma14="http://schemas.microsoft.com/office/mac/drawingml/2011/main" val="1"/>
               </a:ext>
             </a:extLst>
           </p:spPr>
@@ -13414,7 +13363,7 @@
             </a:ln>
             <a:extLst>
               <a:ext uri="{C572A759-6A51-4108-AA02-DFA0A04FC94B}">
-                <ma14:wrappingTextBoxFlag xmlns:ma14="http://schemas.microsoft.com/office/mac/drawingml/2011/main" xmlns="" val="1"/>
+                <ma14:wrappingTextBoxFlag xmlns="" xmlns:ma14="http://schemas.microsoft.com/office/mac/drawingml/2011/main" val="1"/>
               </a:ext>
             </a:extLst>
           </p:spPr>
@@ -13468,7 +13417,7 @@
             </a:ln>
             <a:extLst>
               <a:ext uri="{C572A759-6A51-4108-AA02-DFA0A04FC94B}">
-                <ma14:wrappingTextBoxFlag xmlns:ma14="http://schemas.microsoft.com/office/mac/drawingml/2011/main" xmlns="" val="1"/>
+                <ma14:wrappingTextBoxFlag xmlns="" xmlns:ma14="http://schemas.microsoft.com/office/mac/drawingml/2011/main" val="1"/>
               </a:ext>
             </a:extLst>
           </p:spPr>
@@ -13522,7 +13471,7 @@
             </a:ln>
             <a:extLst>
               <a:ext uri="{C572A759-6A51-4108-AA02-DFA0A04FC94B}">
-                <ma14:wrappingTextBoxFlag xmlns:ma14="http://schemas.microsoft.com/office/mac/drawingml/2011/main" xmlns="" val="1"/>
+                <ma14:wrappingTextBoxFlag xmlns="" xmlns:ma14="http://schemas.microsoft.com/office/mac/drawingml/2011/main" val="1"/>
               </a:ext>
             </a:extLst>
           </p:spPr>
@@ -13577,7 +13526,7 @@
             </a:ln>
             <a:extLst>
               <a:ext uri="{C572A759-6A51-4108-AA02-DFA0A04FC94B}">
-                <ma14:wrappingTextBoxFlag xmlns:ma14="http://schemas.microsoft.com/office/mac/drawingml/2011/main" xmlns="" val="1"/>
+                <ma14:wrappingTextBoxFlag xmlns="" xmlns:ma14="http://schemas.microsoft.com/office/mac/drawingml/2011/main" val="1"/>
               </a:ext>
             </a:extLst>
           </p:spPr>
@@ -13631,7 +13580,7 @@
             </a:ln>
             <a:extLst>
               <a:ext uri="{C572A759-6A51-4108-AA02-DFA0A04FC94B}">
-                <ma14:wrappingTextBoxFlag xmlns:ma14="http://schemas.microsoft.com/office/mac/drawingml/2011/main" xmlns="" val="1"/>
+                <ma14:wrappingTextBoxFlag xmlns="" xmlns:ma14="http://schemas.microsoft.com/office/mac/drawingml/2011/main" val="1"/>
               </a:ext>
             </a:extLst>
           </p:spPr>
@@ -13660,10 +13609,10 @@
       </p:grpSp>
       <p:sp>
         <p:nvSpPr>
-          <p:cNvPr id="70" name="Shape 127">
+          <p:cNvPr id="72" name="Shape 127">
             <a:extLst>
               <a:ext uri="{FF2B5EF4-FFF2-40B4-BE49-F238E27FC236}">
-                <a16:creationId xmlns:a16="http://schemas.microsoft.com/office/drawing/2014/main" id="{E8C5DC8B-968E-2D4E-948A-1E9B191196A8}"/>
+                <a16:creationId xmlns:a16="http://schemas.microsoft.com/office/drawing/2014/main" id="{B8CB87FF-A6FA-9F43-8E32-4CBA287F505A}"/>
               </a:ext>
             </a:extLst>
           </p:cNvPr>
@@ -13672,8 +13621,8 @@
         </p:nvSpPr>
         <p:spPr>
           <a:xfrm>
-            <a:off x="16334649" y="12351216"/>
-            <a:ext cx="7535780" cy="1067599"/>
+            <a:off x="11676185" y="12505104"/>
+            <a:ext cx="12194244" cy="759822"/>
           </a:xfrm>
           <a:prstGeom prst="rect">
             <a:avLst/>
@@ -13683,17 +13632,17 @@
           </a:ln>
           <a:extLst>
             <a:ext uri="{C572A759-6A51-4108-AA02-DFA0A04FC94B}">
-              <ma14:wrappingTextBoxFlag xmlns:ma14="http://schemas.microsoft.com/office/mac/drawingml/2011/main" xmlns="" val="1"/>
+              <ma14:wrappingTextBoxFlag xmlns="" xmlns:ma14="http://schemas.microsoft.com/office/mac/drawingml/2011/main" val="1"/>
             </a:ext>
           </a:extLst>
         </p:spPr>
         <p:txBody>
-          <a:bodyPr wrap="none" lIns="71437" tIns="71437" rIns="71437" bIns="71437" anchor="ctr">
+          <a:bodyPr wrap="square" lIns="71437" tIns="71437" rIns="71437" bIns="71437" anchor="ctr">
             <a:spAutoFit/>
           </a:bodyPr>
           <a:lstStyle/>
           <a:p>
-            <a:pPr algn="r">
+            <a:pPr algn="l">
               <a:defRPr sz="2000" b="0">
                 <a:solidFill>
                   <a:srgbClr val="919191"/>
@@ -13732,24 +13681,7 @@
             </a:r>
             <a:r>
               <a:rPr lang="en-AU" dirty="0"/>
-              <a:t>/</a:t>
-            </a:r>
-          </a:p>
-          <a:p>
-            <a:pPr algn="r">
-              <a:defRPr sz="2000" b="0">
-                <a:solidFill>
-                  <a:srgbClr val="919191"/>
-                </a:solidFill>
-                <a:latin typeface="Montserrat Medium"/>
-                <a:ea typeface="Montserrat Medium"/>
-                <a:cs typeface="Montserrat Medium"/>
-                <a:sym typeface="Montserrat Medium"/>
-              </a:defRPr>
-            </a:pPr>
-            <a:r>
-              <a:rPr lang="en-AU" dirty="0"/>
-              <a:t>photos/</a:t>
+              <a:t>/photos/</a:t>
             </a:r>
             <a:r>
               <a:rPr lang="en-AU" dirty="0" err="1"/>
@@ -13810,7 +13742,7 @@
           </a:ln>
           <a:extLst>
             <a:ext uri="{C572A759-6A51-4108-AA02-DFA0A04FC94B}">
-              <ma14:wrappingTextBoxFlag xmlns:ma14="http://schemas.microsoft.com/office/mac/drawingml/2011/main" xmlns="" val="1"/>
+              <ma14:wrappingTextBoxFlag xmlns="" xmlns:ma14="http://schemas.microsoft.com/office/mac/drawingml/2011/main" val="1"/>
             </a:ext>
           </a:extLst>
         </p:spPr>
@@ -13868,7 +13800,7 @@
           </a:ln>
           <a:extLst>
             <a:ext uri="{C572A759-6A51-4108-AA02-DFA0A04FC94B}">
-              <ma14:wrappingTextBoxFlag xmlns:ma14="http://schemas.microsoft.com/office/mac/drawingml/2011/main" xmlns="" val="1"/>
+              <ma14:wrappingTextBoxFlag xmlns="" xmlns:ma14="http://schemas.microsoft.com/office/mac/drawingml/2011/main" val="1"/>
             </a:ext>
           </a:extLst>
         </p:spPr>
@@ -13930,7 +13862,7 @@
           </a:ln>
           <a:extLst>
             <a:ext uri="{C572A759-6A51-4108-AA02-DFA0A04FC94B}">
-              <ma14:wrappingTextBoxFlag xmlns:ma14="http://schemas.microsoft.com/office/mac/drawingml/2011/main" xmlns="" val="1"/>
+              <ma14:wrappingTextBoxFlag xmlns="" xmlns:ma14="http://schemas.microsoft.com/office/mac/drawingml/2011/main" val="1"/>
             </a:ext>
           </a:extLst>
         </p:spPr>
@@ -13991,7 +13923,7 @@
           </a:ln>
           <a:extLst>
             <a:ext uri="{C572A759-6A51-4108-AA02-DFA0A04FC94B}">
-              <ma14:wrappingTextBoxFlag xmlns:ma14="http://schemas.microsoft.com/office/mac/drawingml/2011/main" xmlns="" val="1"/>
+              <ma14:wrappingTextBoxFlag xmlns="" xmlns:ma14="http://schemas.microsoft.com/office/mac/drawingml/2011/main" val="1"/>
             </a:ext>
           </a:extLst>
         </p:spPr>
@@ -14049,7 +13981,7 @@
           </a:ln>
           <a:extLst>
             <a:ext uri="{C572A759-6A51-4108-AA02-DFA0A04FC94B}">
-              <ma14:wrappingTextBoxFlag xmlns:ma14="http://schemas.microsoft.com/office/mac/drawingml/2011/main" xmlns="" val="1"/>
+              <ma14:wrappingTextBoxFlag xmlns="" xmlns:ma14="http://schemas.microsoft.com/office/mac/drawingml/2011/main" val="1"/>
             </a:ext>
           </a:extLst>
         </p:spPr>
@@ -14111,7 +14043,7 @@
           </a:ln>
           <a:extLst>
             <a:ext uri="{C572A759-6A51-4108-AA02-DFA0A04FC94B}">
-              <ma14:wrappingTextBoxFlag xmlns:ma14="http://schemas.microsoft.com/office/mac/drawingml/2011/main" xmlns="" val="1"/>
+              <ma14:wrappingTextBoxFlag xmlns="" xmlns:ma14="http://schemas.microsoft.com/office/mac/drawingml/2011/main" val="1"/>
             </a:ext>
           </a:extLst>
         </p:spPr>
@@ -14173,7 +14105,7 @@
           </a:ln>
           <a:extLst>
             <a:ext uri="{C572A759-6A51-4108-AA02-DFA0A04FC94B}">
-              <ma14:wrappingTextBoxFlag xmlns:ma14="http://schemas.microsoft.com/office/mac/drawingml/2011/main" xmlns="" val="1"/>
+              <ma14:wrappingTextBoxFlag xmlns="" xmlns:ma14="http://schemas.microsoft.com/office/mac/drawingml/2011/main" val="1"/>
             </a:ext>
           </a:extLst>
         </p:spPr>
@@ -14298,7 +14230,7 @@
           </a:ln>
           <a:extLst>
             <a:ext uri="{C572A759-6A51-4108-AA02-DFA0A04FC94B}">
-              <ma14:wrappingTextBoxFlag xmlns:ma14="http://schemas.microsoft.com/office/mac/drawingml/2011/main" xmlns="" val="1"/>
+              <ma14:wrappingTextBoxFlag xmlns="" xmlns:ma14="http://schemas.microsoft.com/office/mac/drawingml/2011/main" val="1"/>
             </a:ext>
           </a:extLst>
         </p:spPr>
@@ -14434,7 +14366,7 @@
             </a:ln>
             <a:extLst>
               <a:ext uri="{C572A759-6A51-4108-AA02-DFA0A04FC94B}">
-                <ma14:wrappingTextBoxFlag xmlns:ma14="http://schemas.microsoft.com/office/mac/drawingml/2011/main" xmlns="" val="1"/>
+                <ma14:wrappingTextBoxFlag xmlns="" xmlns:ma14="http://schemas.microsoft.com/office/mac/drawingml/2011/main" val="1"/>
               </a:ext>
             </a:extLst>
           </p:spPr>
@@ -14522,7 +14454,7 @@
             </a:ln>
             <a:extLst>
               <a:ext uri="{C572A759-6A51-4108-AA02-DFA0A04FC94B}">
-                <ma14:wrappingTextBoxFlag xmlns:ma14="http://schemas.microsoft.com/office/mac/drawingml/2011/main" xmlns="" val="1"/>
+                <ma14:wrappingTextBoxFlag xmlns="" xmlns:ma14="http://schemas.microsoft.com/office/mac/drawingml/2011/main" val="1"/>
               </a:ext>
             </a:extLst>
           </p:spPr>
@@ -14570,7 +14502,7 @@
             </a:ln>
             <a:extLst>
               <a:ext uri="{C572A759-6A51-4108-AA02-DFA0A04FC94B}">
-                <ma14:wrappingTextBoxFlag xmlns:ma14="http://schemas.microsoft.com/office/mac/drawingml/2011/main" xmlns="" val="1"/>
+                <ma14:wrappingTextBoxFlag xmlns="" xmlns:ma14="http://schemas.microsoft.com/office/mac/drawingml/2011/main" val="1"/>
               </a:ext>
             </a:extLst>
           </p:spPr>
@@ -14618,7 +14550,7 @@
             </a:ln>
             <a:extLst>
               <a:ext uri="{C572A759-6A51-4108-AA02-DFA0A04FC94B}">
-                <ma14:wrappingTextBoxFlag xmlns:ma14="http://schemas.microsoft.com/office/mac/drawingml/2011/main" xmlns="" val="1"/>
+                <ma14:wrappingTextBoxFlag xmlns="" xmlns:ma14="http://schemas.microsoft.com/office/mac/drawingml/2011/main" val="1"/>
               </a:ext>
             </a:extLst>
           </p:spPr>
@@ -14666,7 +14598,7 @@
             </a:ln>
             <a:extLst>
               <a:ext uri="{C572A759-6A51-4108-AA02-DFA0A04FC94B}">
-                <ma14:wrappingTextBoxFlag xmlns:ma14="http://schemas.microsoft.com/office/mac/drawingml/2011/main" xmlns="" val="1"/>
+                <ma14:wrappingTextBoxFlag xmlns="" xmlns:ma14="http://schemas.microsoft.com/office/mac/drawingml/2011/main" val="1"/>
               </a:ext>
             </a:extLst>
           </p:spPr>
@@ -14714,7 +14646,7 @@
             </a:ln>
             <a:extLst>
               <a:ext uri="{C572A759-6A51-4108-AA02-DFA0A04FC94B}">
-                <ma14:wrappingTextBoxFlag xmlns:ma14="http://schemas.microsoft.com/office/mac/drawingml/2011/main" xmlns="" val="1"/>
+                <ma14:wrappingTextBoxFlag xmlns="" xmlns:ma14="http://schemas.microsoft.com/office/mac/drawingml/2011/main" val="1"/>
               </a:ext>
             </a:extLst>
           </p:spPr>
@@ -14762,7 +14694,7 @@
             </a:ln>
             <a:extLst>
               <a:ext uri="{C572A759-6A51-4108-AA02-DFA0A04FC94B}">
-                <ma14:wrappingTextBoxFlag xmlns:ma14="http://schemas.microsoft.com/office/mac/drawingml/2011/main" xmlns="" val="1"/>
+                <ma14:wrappingTextBoxFlag xmlns="" xmlns:ma14="http://schemas.microsoft.com/office/mac/drawingml/2011/main" val="1"/>
               </a:ext>
             </a:extLst>
           </p:spPr>
@@ -14810,7 +14742,7 @@
             </a:ln>
             <a:extLst>
               <a:ext uri="{C572A759-6A51-4108-AA02-DFA0A04FC94B}">
-                <ma14:wrappingTextBoxFlag xmlns:ma14="http://schemas.microsoft.com/office/mac/drawingml/2011/main" xmlns="" val="1"/>
+                <ma14:wrappingTextBoxFlag xmlns="" xmlns:ma14="http://schemas.microsoft.com/office/mac/drawingml/2011/main" val="1"/>
               </a:ext>
             </a:extLst>
           </p:spPr>
@@ -14861,7 +14793,7 @@
             </a:ln>
             <a:extLst>
               <a:ext uri="{C572A759-6A51-4108-AA02-DFA0A04FC94B}">
-                <ma14:wrappingTextBoxFlag xmlns:ma14="http://schemas.microsoft.com/office/mac/drawingml/2011/main" xmlns="" val="1"/>
+                <ma14:wrappingTextBoxFlag xmlns="" xmlns:ma14="http://schemas.microsoft.com/office/mac/drawingml/2011/main" val="1"/>
               </a:ext>
             </a:extLst>
           </p:spPr>
@@ -14917,7 +14849,7 @@
             </a:ln>
             <a:extLst>
               <a:ext uri="{C572A759-6A51-4108-AA02-DFA0A04FC94B}">
-                <ma14:wrappingTextBoxFlag xmlns:ma14="http://schemas.microsoft.com/office/mac/drawingml/2011/main" xmlns="" val="1"/>
+                <ma14:wrappingTextBoxFlag xmlns="" xmlns:ma14="http://schemas.microsoft.com/office/mac/drawingml/2011/main" val="1"/>
               </a:ext>
             </a:extLst>
           </p:spPr>
@@ -15273,7 +15205,7 @@
             </a:ln>
             <a:extLst>
               <a:ext uri="{C572A759-6A51-4108-AA02-DFA0A04FC94B}">
-                <ma14:wrappingTextBoxFlag xmlns:ma14="http://schemas.microsoft.com/office/mac/drawingml/2011/main" xmlns="" val="1"/>
+                <ma14:wrappingTextBoxFlag xmlns="" xmlns:ma14="http://schemas.microsoft.com/office/mac/drawingml/2011/main" val="1"/>
               </a:ext>
             </a:extLst>
           </p:spPr>
@@ -15334,7 +15266,7 @@
             </a:ln>
             <a:extLst>
               <a:ext uri="{C572A759-6A51-4108-AA02-DFA0A04FC94B}">
-                <ma14:wrappingTextBoxFlag xmlns:ma14="http://schemas.microsoft.com/office/mac/drawingml/2011/main" xmlns="" val="1"/>
+                <ma14:wrappingTextBoxFlag xmlns="" xmlns:ma14="http://schemas.microsoft.com/office/mac/drawingml/2011/main" val="1"/>
               </a:ext>
             </a:extLst>
           </p:spPr>
@@ -15514,7 +15446,7 @@
             </a:ln>
             <a:extLst>
               <a:ext uri="{C572A759-6A51-4108-AA02-DFA0A04FC94B}">
-                <ma14:wrappingTextBoxFlag xmlns:ma14="http://schemas.microsoft.com/office/mac/drawingml/2011/main" xmlns="" val="1"/>
+                <ma14:wrappingTextBoxFlag xmlns="" xmlns:ma14="http://schemas.microsoft.com/office/mac/drawingml/2011/main" val="1"/>
               </a:ext>
             </a:extLst>
           </p:spPr>
@@ -15590,7 +15522,7 @@
             </a:ln>
             <a:extLst>
               <a:ext uri="{C572A759-6A51-4108-AA02-DFA0A04FC94B}">
-                <ma14:wrappingTextBoxFlag xmlns:ma14="http://schemas.microsoft.com/office/mac/drawingml/2011/main" xmlns="" val="1"/>
+                <ma14:wrappingTextBoxFlag xmlns="" xmlns:ma14="http://schemas.microsoft.com/office/mac/drawingml/2011/main" val="1"/>
               </a:ext>
             </a:extLst>
           </p:spPr>
@@ -15696,7 +15628,7 @@
             </a:ln>
             <a:extLst>
               <a:ext uri="{C572A759-6A51-4108-AA02-DFA0A04FC94B}">
-                <ma14:wrappingTextBoxFlag xmlns:ma14="http://schemas.microsoft.com/office/mac/drawingml/2011/main" xmlns="" val="1"/>
+                <ma14:wrappingTextBoxFlag xmlns="" xmlns:ma14="http://schemas.microsoft.com/office/mac/drawingml/2011/main" val="1"/>
               </a:ext>
             </a:extLst>
           </p:spPr>
@@ -15750,7 +15682,7 @@
             </a:ln>
             <a:extLst>
               <a:ext uri="{C572A759-6A51-4108-AA02-DFA0A04FC94B}">
-                <ma14:wrappingTextBoxFlag xmlns:ma14="http://schemas.microsoft.com/office/mac/drawingml/2011/main" xmlns="" val="1"/>
+                <ma14:wrappingTextBoxFlag xmlns="" xmlns:ma14="http://schemas.microsoft.com/office/mac/drawingml/2011/main" val="1"/>
               </a:ext>
             </a:extLst>
           </p:spPr>
@@ -15804,7 +15736,7 @@
             </a:ln>
             <a:extLst>
               <a:ext uri="{C572A759-6A51-4108-AA02-DFA0A04FC94B}">
-                <ma14:wrappingTextBoxFlag xmlns:ma14="http://schemas.microsoft.com/office/mac/drawingml/2011/main" xmlns="" val="1"/>
+                <ma14:wrappingTextBoxFlag xmlns="" xmlns:ma14="http://schemas.microsoft.com/office/mac/drawingml/2011/main" val="1"/>
               </a:ext>
             </a:extLst>
           </p:spPr>
@@ -15858,7 +15790,7 @@
             </a:ln>
             <a:extLst>
               <a:ext uri="{C572A759-6A51-4108-AA02-DFA0A04FC94B}">
-                <ma14:wrappingTextBoxFlag xmlns:ma14="http://schemas.microsoft.com/office/mac/drawingml/2011/main" xmlns="" val="1"/>
+                <ma14:wrappingTextBoxFlag xmlns="" xmlns:ma14="http://schemas.microsoft.com/office/mac/drawingml/2011/main" val="1"/>
               </a:ext>
             </a:extLst>
           </p:spPr>
@@ -15912,7 +15844,7 @@
             </a:ln>
             <a:extLst>
               <a:ext uri="{C572A759-6A51-4108-AA02-DFA0A04FC94B}">
-                <ma14:wrappingTextBoxFlag xmlns:ma14="http://schemas.microsoft.com/office/mac/drawingml/2011/main" xmlns="" val="1"/>
+                <ma14:wrappingTextBoxFlag xmlns="" xmlns:ma14="http://schemas.microsoft.com/office/mac/drawingml/2011/main" val="1"/>
               </a:ext>
             </a:extLst>
           </p:spPr>
@@ -15966,7 +15898,7 @@
             </a:ln>
             <a:extLst>
               <a:ext uri="{C572A759-6A51-4108-AA02-DFA0A04FC94B}">
-                <ma14:wrappingTextBoxFlag xmlns:ma14="http://schemas.microsoft.com/office/mac/drawingml/2011/main" xmlns="" val="1"/>
+                <ma14:wrappingTextBoxFlag xmlns="" xmlns:ma14="http://schemas.microsoft.com/office/mac/drawingml/2011/main" val="1"/>
               </a:ext>
             </a:extLst>
           </p:spPr>
@@ -16020,7 +15952,7 @@
             </a:ln>
             <a:extLst>
               <a:ext uri="{C572A759-6A51-4108-AA02-DFA0A04FC94B}">
-                <ma14:wrappingTextBoxFlag xmlns:ma14="http://schemas.microsoft.com/office/mac/drawingml/2011/main" xmlns="" val="1"/>
+                <ma14:wrappingTextBoxFlag xmlns="" xmlns:ma14="http://schemas.microsoft.com/office/mac/drawingml/2011/main" val="1"/>
               </a:ext>
             </a:extLst>
           </p:spPr>
@@ -16327,7 +16259,7 @@
             </a:ln>
             <a:extLst>
               <a:ext uri="{C572A759-6A51-4108-AA02-DFA0A04FC94B}">
-                <ma14:wrappingTextBoxFlag xmlns:ma14="http://schemas.microsoft.com/office/mac/drawingml/2011/main" xmlns="" val="1"/>
+                <ma14:wrappingTextBoxFlag xmlns="" xmlns:ma14="http://schemas.microsoft.com/office/mac/drawingml/2011/main" val="1"/>
               </a:ext>
             </a:extLst>
           </p:spPr>
@@ -16514,7 +16446,7 @@
             </a:ln>
             <a:extLst>
               <a:ext uri="{C572A759-6A51-4108-AA02-DFA0A04FC94B}">
-                <ma14:wrappingTextBoxFlag xmlns:ma14="http://schemas.microsoft.com/office/mac/drawingml/2011/main" xmlns="" val="1"/>
+                <ma14:wrappingTextBoxFlag xmlns="" xmlns:ma14="http://schemas.microsoft.com/office/mac/drawingml/2011/main" val="1"/>
               </a:ext>
             </a:extLst>
           </p:spPr>
@@ -16694,7 +16626,7 @@
             </a:ln>
             <a:extLst>
               <a:ext uri="{C572A759-6A51-4108-AA02-DFA0A04FC94B}">
-                <ma14:wrappingTextBoxFlag xmlns:ma14="http://schemas.microsoft.com/office/mac/drawingml/2011/main" xmlns="" val="1"/>
+                <ma14:wrappingTextBoxFlag xmlns="" xmlns:ma14="http://schemas.microsoft.com/office/mac/drawingml/2011/main" val="1"/>
               </a:ext>
             </a:extLst>
           </p:spPr>
@@ -16896,7 +16828,7 @@
             </a:ln>
             <a:extLst>
               <a:ext uri="{C572A759-6A51-4108-AA02-DFA0A04FC94B}">
-                <ma14:wrappingTextBoxFlag xmlns:ma14="http://schemas.microsoft.com/office/mac/drawingml/2011/main" xmlns="" val="1"/>
+                <ma14:wrappingTextBoxFlag xmlns="" xmlns:ma14="http://schemas.microsoft.com/office/mac/drawingml/2011/main" val="1"/>
               </a:ext>
             </a:extLst>
           </p:spPr>
@@ -17002,7 +16934,7 @@
             </a:ln>
             <a:extLst>
               <a:ext uri="{C572A759-6A51-4108-AA02-DFA0A04FC94B}">
-                <ma14:wrappingTextBoxFlag xmlns:ma14="http://schemas.microsoft.com/office/mac/drawingml/2011/main" xmlns="" val="1"/>
+                <ma14:wrappingTextBoxFlag xmlns="" xmlns:ma14="http://schemas.microsoft.com/office/mac/drawingml/2011/main" val="1"/>
               </a:ext>
             </a:extLst>
           </p:spPr>
@@ -17056,7 +16988,7 @@
             </a:ln>
             <a:extLst>
               <a:ext uri="{C572A759-6A51-4108-AA02-DFA0A04FC94B}">
-                <ma14:wrappingTextBoxFlag xmlns:ma14="http://schemas.microsoft.com/office/mac/drawingml/2011/main" xmlns="" val="1"/>
+                <ma14:wrappingTextBoxFlag xmlns="" xmlns:ma14="http://schemas.microsoft.com/office/mac/drawingml/2011/main" val="1"/>
               </a:ext>
             </a:extLst>
           </p:spPr>
@@ -17110,7 +17042,7 @@
             </a:ln>
             <a:extLst>
               <a:ext uri="{C572A759-6A51-4108-AA02-DFA0A04FC94B}">
-                <ma14:wrappingTextBoxFlag xmlns:ma14="http://schemas.microsoft.com/office/mac/drawingml/2011/main" xmlns="" val="1"/>
+                <ma14:wrappingTextBoxFlag xmlns="" xmlns:ma14="http://schemas.microsoft.com/office/mac/drawingml/2011/main" val="1"/>
               </a:ext>
             </a:extLst>
           </p:spPr>
@@ -17164,7 +17096,7 @@
             </a:ln>
             <a:extLst>
               <a:ext uri="{C572A759-6A51-4108-AA02-DFA0A04FC94B}">
-                <ma14:wrappingTextBoxFlag xmlns:ma14="http://schemas.microsoft.com/office/mac/drawingml/2011/main" xmlns="" val="1"/>
+                <ma14:wrappingTextBoxFlag xmlns="" xmlns:ma14="http://schemas.microsoft.com/office/mac/drawingml/2011/main" val="1"/>
               </a:ext>
             </a:extLst>
           </p:spPr>
@@ -17218,7 +17150,7 @@
             </a:ln>
             <a:extLst>
               <a:ext uri="{C572A759-6A51-4108-AA02-DFA0A04FC94B}">
-                <ma14:wrappingTextBoxFlag xmlns:ma14="http://schemas.microsoft.com/office/mac/drawingml/2011/main" xmlns="" val="1"/>
+                <ma14:wrappingTextBoxFlag xmlns="" xmlns:ma14="http://schemas.microsoft.com/office/mac/drawingml/2011/main" val="1"/>
               </a:ext>
             </a:extLst>
           </p:spPr>
@@ -17273,7 +17205,7 @@
             </a:ln>
             <a:extLst>
               <a:ext uri="{C572A759-6A51-4108-AA02-DFA0A04FC94B}">
-                <ma14:wrappingTextBoxFlag xmlns:ma14="http://schemas.microsoft.com/office/mac/drawingml/2011/main" xmlns="" val="1"/>
+                <ma14:wrappingTextBoxFlag xmlns="" xmlns:ma14="http://schemas.microsoft.com/office/mac/drawingml/2011/main" val="1"/>
               </a:ext>
             </a:extLst>
           </p:spPr>
@@ -17327,7 +17259,7 @@
             </a:ln>
             <a:extLst>
               <a:ext uri="{C572A759-6A51-4108-AA02-DFA0A04FC94B}">
-                <ma14:wrappingTextBoxFlag xmlns:ma14="http://schemas.microsoft.com/office/mac/drawingml/2011/main" xmlns="" val="1"/>
+                <ma14:wrappingTextBoxFlag xmlns="" xmlns:ma14="http://schemas.microsoft.com/office/mac/drawingml/2011/main" val="1"/>
               </a:ext>
             </a:extLst>
           </p:spPr>
@@ -17356,10 +17288,10 @@
       </p:grpSp>
       <p:sp>
         <p:nvSpPr>
-          <p:cNvPr id="66" name="Shape 127">
+          <p:cNvPr id="67" name="Shape 127">
             <a:extLst>
               <a:ext uri="{FF2B5EF4-FFF2-40B4-BE49-F238E27FC236}">
-                <a16:creationId xmlns:a16="http://schemas.microsoft.com/office/drawing/2014/main" id="{F3C8601D-814E-0644-8992-0682357F1183}"/>
+                <a16:creationId xmlns:a16="http://schemas.microsoft.com/office/drawing/2014/main" id="{55249BAF-880A-0545-975B-E41944C30EC5}"/>
               </a:ext>
             </a:extLst>
           </p:cNvPr>
@@ -17368,8 +17300,8 @@
         </p:nvSpPr>
         <p:spPr>
           <a:xfrm>
-            <a:off x="16334649" y="12351216"/>
-            <a:ext cx="7535780" cy="1067599"/>
+            <a:off x="11676185" y="12505104"/>
+            <a:ext cx="12194244" cy="759822"/>
           </a:xfrm>
           <a:prstGeom prst="rect">
             <a:avLst/>
@@ -17379,17 +17311,17 @@
           </a:ln>
           <a:extLst>
             <a:ext uri="{C572A759-6A51-4108-AA02-DFA0A04FC94B}">
-              <ma14:wrappingTextBoxFlag xmlns:ma14="http://schemas.microsoft.com/office/mac/drawingml/2011/main" xmlns="" val="1"/>
+              <ma14:wrappingTextBoxFlag xmlns="" xmlns:ma14="http://schemas.microsoft.com/office/mac/drawingml/2011/main" val="1"/>
             </a:ext>
           </a:extLst>
         </p:spPr>
         <p:txBody>
-          <a:bodyPr wrap="none" lIns="71437" tIns="71437" rIns="71437" bIns="71437" anchor="ctr">
+          <a:bodyPr wrap="square" lIns="71437" tIns="71437" rIns="71437" bIns="71437" anchor="ctr">
             <a:spAutoFit/>
           </a:bodyPr>
           <a:lstStyle/>
           <a:p>
-            <a:pPr algn="r">
+            <a:pPr algn="l">
               <a:defRPr sz="2000" b="0">
                 <a:solidFill>
                   <a:srgbClr val="919191"/>
@@ -17428,24 +17360,7 @@
             </a:r>
             <a:r>
               <a:rPr lang="en-AU" dirty="0"/>
-              <a:t>/</a:t>
-            </a:r>
-          </a:p>
-          <a:p>
-            <a:pPr algn="r">
-              <a:defRPr sz="2000" b="0">
-                <a:solidFill>
-                  <a:srgbClr val="919191"/>
-                </a:solidFill>
-                <a:latin typeface="Montserrat Medium"/>
-                <a:ea typeface="Montserrat Medium"/>
-                <a:cs typeface="Montserrat Medium"/>
-                <a:sym typeface="Montserrat Medium"/>
-              </a:defRPr>
-            </a:pPr>
-            <a:r>
-              <a:rPr lang="en-AU" dirty="0"/>
-              <a:t>photos/</a:t>
+              <a:t>/photos/</a:t>
             </a:r>
             <a:r>
               <a:rPr lang="en-AU" dirty="0" err="1"/>
@@ -17483,6 +17398,90 @@
       </p:grpSpPr>
       <p:sp>
         <p:nvSpPr>
+          <p:cNvPr id="65" name="Shape 127">
+            <a:extLst>
+              <a:ext uri="{FF2B5EF4-FFF2-40B4-BE49-F238E27FC236}">
+                <a16:creationId xmlns:a16="http://schemas.microsoft.com/office/drawing/2014/main" id="{AD6B0D83-8344-A048-964D-7FBE959066D9}"/>
+              </a:ext>
+            </a:extLst>
+          </p:cNvPr>
+          <p:cNvSpPr/>
+          <p:nvPr/>
+        </p:nvSpPr>
+        <p:spPr>
+          <a:xfrm>
+            <a:off x="11676185" y="12505104"/>
+            <a:ext cx="12194244" cy="759822"/>
+          </a:xfrm>
+          <a:prstGeom prst="rect">
+            <a:avLst/>
+          </a:prstGeom>
+          <a:ln w="12700">
+            <a:miter lim="400000"/>
+          </a:ln>
+          <a:extLst>
+            <a:ext uri="{C572A759-6A51-4108-AA02-DFA0A04FC94B}">
+              <ma14:wrappingTextBoxFlag xmlns="" xmlns:ma14="http://schemas.microsoft.com/office/mac/drawingml/2011/main" val="1"/>
+            </a:ext>
+          </a:extLst>
+        </p:spPr>
+        <p:txBody>
+          <a:bodyPr wrap="square" lIns="71437" tIns="71437" rIns="71437" bIns="71437" anchor="ctr">
+            <a:spAutoFit/>
+          </a:bodyPr>
+          <a:lstStyle/>
+          <a:p>
+            <a:pPr algn="l">
+              <a:defRPr sz="2000" b="0">
+                <a:solidFill>
+                  <a:srgbClr val="919191"/>
+                </a:solidFill>
+                <a:latin typeface="Montserrat Medium"/>
+                <a:ea typeface="Montserrat Medium"/>
+                <a:cs typeface="Montserrat Medium"/>
+                <a:sym typeface="Montserrat Medium"/>
+              </a:defRPr>
+            </a:pPr>
+            <a:endParaRPr lang="en-AU" dirty="0"/>
+          </a:p>
+          <a:p>
+            <a:pPr algn="r">
+              <a:defRPr sz="2000" b="0">
+                <a:solidFill>
+                  <a:srgbClr val="919191"/>
+                </a:solidFill>
+                <a:latin typeface="Montserrat Medium"/>
+                <a:ea typeface="Montserrat Medium"/>
+                <a:cs typeface="Montserrat Medium"/>
+                <a:sym typeface="Montserrat Medium"/>
+              </a:defRPr>
+            </a:pPr>
+            <a:r>
+              <a:rPr dirty="0"/>
+              <a:t>Image Attribution:</a:t>
+            </a:r>
+            <a:r>
+              <a:rPr lang="en-AU" dirty="0"/>
+              <a:t> Josh Calabrese, https://</a:t>
+            </a:r>
+            <a:r>
+              <a:rPr lang="en-AU" dirty="0" err="1"/>
+              <a:t>unsplash.com</a:t>
+            </a:r>
+            <a:r>
+              <a:rPr lang="en-AU" dirty="0"/>
+              <a:t>/photos/</a:t>
+            </a:r>
+            <a:r>
+              <a:rPr lang="en-AU" dirty="0" err="1"/>
+              <a:t>qmnpqDwla_E</a:t>
+            </a:r>
+            <a:endParaRPr lang="en-AU" dirty="0"/>
+          </a:p>
+        </p:txBody>
+      </p:sp>
+      <p:sp>
+        <p:nvSpPr>
           <p:cNvPr id="120" name="Shape 160">
             <a:extLst>
               <a:ext uri="{FF2B5EF4-FFF2-40B4-BE49-F238E27FC236}">
@@ -17506,7 +17505,7 @@
           </a:ln>
           <a:extLst>
             <a:ext uri="{C572A759-6A51-4108-AA02-DFA0A04FC94B}">
-              <ma14:wrappingTextBoxFlag xmlns:ma14="http://schemas.microsoft.com/office/mac/drawingml/2011/main" xmlns="" val="1"/>
+              <ma14:wrappingTextBoxFlag xmlns="" xmlns:ma14="http://schemas.microsoft.com/office/mac/drawingml/2011/main" val="1"/>
             </a:ext>
           </a:extLst>
         </p:spPr>
@@ -17564,7 +17563,7 @@
           </a:ln>
           <a:extLst>
             <a:ext uri="{C572A759-6A51-4108-AA02-DFA0A04FC94B}">
-              <ma14:wrappingTextBoxFlag xmlns:ma14="http://schemas.microsoft.com/office/mac/drawingml/2011/main" xmlns="" val="1"/>
+              <ma14:wrappingTextBoxFlag xmlns="" xmlns:ma14="http://schemas.microsoft.com/office/mac/drawingml/2011/main" val="1"/>
             </a:ext>
           </a:extLst>
         </p:spPr>
@@ -17626,7 +17625,7 @@
           </a:ln>
           <a:extLst>
             <a:ext uri="{C572A759-6A51-4108-AA02-DFA0A04FC94B}">
-              <ma14:wrappingTextBoxFlag xmlns:ma14="http://schemas.microsoft.com/office/mac/drawingml/2011/main" xmlns="" val="1"/>
+              <ma14:wrappingTextBoxFlag xmlns="" xmlns:ma14="http://schemas.microsoft.com/office/mac/drawingml/2011/main" val="1"/>
             </a:ext>
           </a:extLst>
         </p:spPr>
@@ -17687,7 +17686,7 @@
           </a:ln>
           <a:extLst>
             <a:ext uri="{C572A759-6A51-4108-AA02-DFA0A04FC94B}">
-              <ma14:wrappingTextBoxFlag xmlns:ma14="http://schemas.microsoft.com/office/mac/drawingml/2011/main" xmlns="" val="1"/>
+              <ma14:wrappingTextBoxFlag xmlns="" xmlns:ma14="http://schemas.microsoft.com/office/mac/drawingml/2011/main" val="1"/>
             </a:ext>
           </a:extLst>
         </p:spPr>
@@ -17745,7 +17744,7 @@
           </a:ln>
           <a:extLst>
             <a:ext uri="{C572A759-6A51-4108-AA02-DFA0A04FC94B}">
-              <ma14:wrappingTextBoxFlag xmlns:ma14="http://schemas.microsoft.com/office/mac/drawingml/2011/main" xmlns="" val="1"/>
+              <ma14:wrappingTextBoxFlag xmlns="" xmlns:ma14="http://schemas.microsoft.com/office/mac/drawingml/2011/main" val="1"/>
             </a:ext>
           </a:extLst>
         </p:spPr>
@@ -17807,7 +17806,7 @@
           </a:ln>
           <a:extLst>
             <a:ext uri="{C572A759-6A51-4108-AA02-DFA0A04FC94B}">
-              <ma14:wrappingTextBoxFlag xmlns:ma14="http://schemas.microsoft.com/office/mac/drawingml/2011/main" xmlns="" val="1"/>
+              <ma14:wrappingTextBoxFlag xmlns="" xmlns:ma14="http://schemas.microsoft.com/office/mac/drawingml/2011/main" val="1"/>
             </a:ext>
           </a:extLst>
         </p:spPr>
@@ -17869,7 +17868,7 @@
           </a:ln>
           <a:extLst>
             <a:ext uri="{C572A759-6A51-4108-AA02-DFA0A04FC94B}">
-              <ma14:wrappingTextBoxFlag xmlns:ma14="http://schemas.microsoft.com/office/mac/drawingml/2011/main" xmlns="" val="1"/>
+              <ma14:wrappingTextBoxFlag xmlns="" xmlns:ma14="http://schemas.microsoft.com/office/mac/drawingml/2011/main" val="1"/>
             </a:ext>
           </a:extLst>
         </p:spPr>
@@ -17994,7 +17993,7 @@
           </a:ln>
           <a:extLst>
             <a:ext uri="{C572A759-6A51-4108-AA02-DFA0A04FC94B}">
-              <ma14:wrappingTextBoxFlag xmlns:ma14="http://schemas.microsoft.com/office/mac/drawingml/2011/main" xmlns="" val="1"/>
+              <ma14:wrappingTextBoxFlag xmlns="" xmlns:ma14="http://schemas.microsoft.com/office/mac/drawingml/2011/main" val="1"/>
             </a:ext>
           </a:extLst>
         </p:spPr>
@@ -18130,7 +18129,7 @@
             </a:ln>
             <a:extLst>
               <a:ext uri="{C572A759-6A51-4108-AA02-DFA0A04FC94B}">
-                <ma14:wrappingTextBoxFlag xmlns:ma14="http://schemas.microsoft.com/office/mac/drawingml/2011/main" xmlns="" val="1"/>
+                <ma14:wrappingTextBoxFlag xmlns="" xmlns:ma14="http://schemas.microsoft.com/office/mac/drawingml/2011/main" val="1"/>
               </a:ext>
             </a:extLst>
           </p:spPr>
@@ -18218,7 +18217,7 @@
             </a:ln>
             <a:extLst>
               <a:ext uri="{C572A759-6A51-4108-AA02-DFA0A04FC94B}">
-                <ma14:wrappingTextBoxFlag xmlns:ma14="http://schemas.microsoft.com/office/mac/drawingml/2011/main" xmlns="" val="1"/>
+                <ma14:wrappingTextBoxFlag xmlns="" xmlns:ma14="http://schemas.microsoft.com/office/mac/drawingml/2011/main" val="1"/>
               </a:ext>
             </a:extLst>
           </p:spPr>
@@ -18266,7 +18265,7 @@
             </a:ln>
             <a:extLst>
               <a:ext uri="{C572A759-6A51-4108-AA02-DFA0A04FC94B}">
-                <ma14:wrappingTextBoxFlag xmlns:ma14="http://schemas.microsoft.com/office/mac/drawingml/2011/main" xmlns="" val="1"/>
+                <ma14:wrappingTextBoxFlag xmlns="" xmlns:ma14="http://schemas.microsoft.com/office/mac/drawingml/2011/main" val="1"/>
               </a:ext>
             </a:extLst>
           </p:spPr>
@@ -18314,7 +18313,7 @@
             </a:ln>
             <a:extLst>
               <a:ext uri="{C572A759-6A51-4108-AA02-DFA0A04FC94B}">
-                <ma14:wrappingTextBoxFlag xmlns:ma14="http://schemas.microsoft.com/office/mac/drawingml/2011/main" xmlns="" val="1"/>
+                <ma14:wrappingTextBoxFlag xmlns="" xmlns:ma14="http://schemas.microsoft.com/office/mac/drawingml/2011/main" val="1"/>
               </a:ext>
             </a:extLst>
           </p:spPr>
@@ -18362,7 +18361,7 @@
             </a:ln>
             <a:extLst>
               <a:ext uri="{C572A759-6A51-4108-AA02-DFA0A04FC94B}">
-                <ma14:wrappingTextBoxFlag xmlns:ma14="http://schemas.microsoft.com/office/mac/drawingml/2011/main" xmlns="" val="1"/>
+                <ma14:wrappingTextBoxFlag xmlns="" xmlns:ma14="http://schemas.microsoft.com/office/mac/drawingml/2011/main" val="1"/>
               </a:ext>
             </a:extLst>
           </p:spPr>
@@ -18410,7 +18409,7 @@
             </a:ln>
             <a:extLst>
               <a:ext uri="{C572A759-6A51-4108-AA02-DFA0A04FC94B}">
-                <ma14:wrappingTextBoxFlag xmlns:ma14="http://schemas.microsoft.com/office/mac/drawingml/2011/main" xmlns="" val="1"/>
+                <ma14:wrappingTextBoxFlag xmlns="" xmlns:ma14="http://schemas.microsoft.com/office/mac/drawingml/2011/main" val="1"/>
               </a:ext>
             </a:extLst>
           </p:spPr>
@@ -18458,7 +18457,7 @@
             </a:ln>
             <a:extLst>
               <a:ext uri="{C572A759-6A51-4108-AA02-DFA0A04FC94B}">
-                <ma14:wrappingTextBoxFlag xmlns:ma14="http://schemas.microsoft.com/office/mac/drawingml/2011/main" xmlns="" val="1"/>
+                <ma14:wrappingTextBoxFlag xmlns="" xmlns:ma14="http://schemas.microsoft.com/office/mac/drawingml/2011/main" val="1"/>
               </a:ext>
             </a:extLst>
           </p:spPr>
@@ -18506,7 +18505,7 @@
             </a:ln>
             <a:extLst>
               <a:ext uri="{C572A759-6A51-4108-AA02-DFA0A04FC94B}">
-                <ma14:wrappingTextBoxFlag xmlns:ma14="http://schemas.microsoft.com/office/mac/drawingml/2011/main" xmlns="" val="1"/>
+                <ma14:wrappingTextBoxFlag xmlns="" xmlns:ma14="http://schemas.microsoft.com/office/mac/drawingml/2011/main" val="1"/>
               </a:ext>
             </a:extLst>
           </p:spPr>
@@ -18557,7 +18556,7 @@
             </a:ln>
             <a:extLst>
               <a:ext uri="{C572A759-6A51-4108-AA02-DFA0A04FC94B}">
-                <ma14:wrappingTextBoxFlag xmlns:ma14="http://schemas.microsoft.com/office/mac/drawingml/2011/main" xmlns="" val="1"/>
+                <ma14:wrappingTextBoxFlag xmlns="" xmlns:ma14="http://schemas.microsoft.com/office/mac/drawingml/2011/main" val="1"/>
               </a:ext>
             </a:extLst>
           </p:spPr>
@@ -18834,7 +18833,7 @@
             </a:ln>
             <a:extLst>
               <a:ext uri="{C572A759-6A51-4108-AA02-DFA0A04FC94B}">
-                <ma14:wrappingTextBoxFlag xmlns:ma14="http://schemas.microsoft.com/office/mac/drawingml/2011/main" xmlns="" val="1"/>
+                <ma14:wrappingTextBoxFlag xmlns="" xmlns:ma14="http://schemas.microsoft.com/office/mac/drawingml/2011/main" val="1"/>
               </a:ext>
             </a:extLst>
           </p:spPr>
@@ -18895,7 +18894,7 @@
             </a:ln>
             <a:extLst>
               <a:ext uri="{C572A759-6A51-4108-AA02-DFA0A04FC94B}">
-                <ma14:wrappingTextBoxFlag xmlns:ma14="http://schemas.microsoft.com/office/mac/drawingml/2011/main" xmlns="" val="1"/>
+                <ma14:wrappingTextBoxFlag xmlns="" xmlns:ma14="http://schemas.microsoft.com/office/mac/drawingml/2011/main" val="1"/>
               </a:ext>
             </a:extLst>
           </p:spPr>
@@ -19075,7 +19074,7 @@
             </a:ln>
             <a:extLst>
               <a:ext uri="{C572A759-6A51-4108-AA02-DFA0A04FC94B}">
-                <ma14:wrappingTextBoxFlag xmlns:ma14="http://schemas.microsoft.com/office/mac/drawingml/2011/main" xmlns="" val="1"/>
+                <ma14:wrappingTextBoxFlag xmlns="" xmlns:ma14="http://schemas.microsoft.com/office/mac/drawingml/2011/main" val="1"/>
               </a:ext>
             </a:extLst>
           </p:spPr>
@@ -19200,7 +19199,7 @@
             </a:ln>
             <a:extLst>
               <a:ext uri="{C572A759-6A51-4108-AA02-DFA0A04FC94B}">
-                <ma14:wrappingTextBoxFlag xmlns:ma14="http://schemas.microsoft.com/office/mac/drawingml/2011/main" xmlns="" val="1"/>
+                <ma14:wrappingTextBoxFlag xmlns="" xmlns:ma14="http://schemas.microsoft.com/office/mac/drawingml/2011/main" val="1"/>
               </a:ext>
             </a:extLst>
           </p:spPr>
@@ -19254,7 +19253,7 @@
             </a:ln>
             <a:extLst>
               <a:ext uri="{C572A759-6A51-4108-AA02-DFA0A04FC94B}">
-                <ma14:wrappingTextBoxFlag xmlns:ma14="http://schemas.microsoft.com/office/mac/drawingml/2011/main" xmlns="" val="1"/>
+                <ma14:wrappingTextBoxFlag xmlns="" xmlns:ma14="http://schemas.microsoft.com/office/mac/drawingml/2011/main" val="1"/>
               </a:ext>
             </a:extLst>
           </p:spPr>
@@ -19308,7 +19307,7 @@
             </a:ln>
             <a:extLst>
               <a:ext uri="{C572A759-6A51-4108-AA02-DFA0A04FC94B}">
-                <ma14:wrappingTextBoxFlag xmlns:ma14="http://schemas.microsoft.com/office/mac/drawingml/2011/main" xmlns="" val="1"/>
+                <ma14:wrappingTextBoxFlag xmlns="" xmlns:ma14="http://schemas.microsoft.com/office/mac/drawingml/2011/main" val="1"/>
               </a:ext>
             </a:extLst>
           </p:spPr>
@@ -19362,7 +19361,7 @@
             </a:ln>
             <a:extLst>
               <a:ext uri="{C572A759-6A51-4108-AA02-DFA0A04FC94B}">
-                <ma14:wrappingTextBoxFlag xmlns:ma14="http://schemas.microsoft.com/office/mac/drawingml/2011/main" xmlns="" val="1"/>
+                <ma14:wrappingTextBoxFlag xmlns="" xmlns:ma14="http://schemas.microsoft.com/office/mac/drawingml/2011/main" val="1"/>
               </a:ext>
             </a:extLst>
           </p:spPr>
@@ -19416,7 +19415,7 @@
             </a:ln>
             <a:extLst>
               <a:ext uri="{C572A759-6A51-4108-AA02-DFA0A04FC94B}">
-                <ma14:wrappingTextBoxFlag xmlns:ma14="http://schemas.microsoft.com/office/mac/drawingml/2011/main" xmlns="" val="1"/>
+                <ma14:wrappingTextBoxFlag xmlns="" xmlns:ma14="http://schemas.microsoft.com/office/mac/drawingml/2011/main" val="1"/>
               </a:ext>
             </a:extLst>
           </p:spPr>
@@ -19470,7 +19469,7 @@
             </a:ln>
             <a:extLst>
               <a:ext uri="{C572A759-6A51-4108-AA02-DFA0A04FC94B}">
-                <ma14:wrappingTextBoxFlag xmlns:ma14="http://schemas.microsoft.com/office/mac/drawingml/2011/main" xmlns="" val="1"/>
+                <ma14:wrappingTextBoxFlag xmlns="" xmlns:ma14="http://schemas.microsoft.com/office/mac/drawingml/2011/main" val="1"/>
               </a:ext>
             </a:extLst>
           </p:spPr>
@@ -19524,7 +19523,7 @@
             </a:ln>
             <a:extLst>
               <a:ext uri="{C572A759-6A51-4108-AA02-DFA0A04FC94B}">
-                <ma14:wrappingTextBoxFlag xmlns:ma14="http://schemas.microsoft.com/office/mac/drawingml/2011/main" xmlns="" val="1"/>
+                <ma14:wrappingTextBoxFlag xmlns="" xmlns:ma14="http://schemas.microsoft.com/office/mac/drawingml/2011/main" val="1"/>
               </a:ext>
             </a:extLst>
           </p:spPr>
@@ -19831,7 +19830,7 @@
             </a:ln>
             <a:extLst>
               <a:ext uri="{C572A759-6A51-4108-AA02-DFA0A04FC94B}">
-                <ma14:wrappingTextBoxFlag xmlns:ma14="http://schemas.microsoft.com/office/mac/drawingml/2011/main" xmlns="" val="1"/>
+                <ma14:wrappingTextBoxFlag xmlns="" xmlns:ma14="http://schemas.microsoft.com/office/mac/drawingml/2011/main" val="1"/>
               </a:ext>
             </a:extLst>
           </p:spPr>
@@ -20018,7 +20017,7 @@
             </a:ln>
             <a:extLst>
               <a:ext uri="{C572A759-6A51-4108-AA02-DFA0A04FC94B}">
-                <ma14:wrappingTextBoxFlag xmlns:ma14="http://schemas.microsoft.com/office/mac/drawingml/2011/main" xmlns="" val="1"/>
+                <ma14:wrappingTextBoxFlag xmlns="" xmlns:ma14="http://schemas.microsoft.com/office/mac/drawingml/2011/main" val="1"/>
               </a:ext>
             </a:extLst>
           </p:spPr>
@@ -20198,7 +20197,7 @@
             </a:ln>
             <a:extLst>
               <a:ext uri="{C572A759-6A51-4108-AA02-DFA0A04FC94B}">
-                <ma14:wrappingTextBoxFlag xmlns:ma14="http://schemas.microsoft.com/office/mac/drawingml/2011/main" xmlns="" val="1"/>
+                <ma14:wrappingTextBoxFlag xmlns="" xmlns:ma14="http://schemas.microsoft.com/office/mac/drawingml/2011/main" val="1"/>
               </a:ext>
             </a:extLst>
           </p:spPr>
@@ -20400,7 +20399,7 @@
             </a:ln>
             <a:extLst>
               <a:ext uri="{C572A759-6A51-4108-AA02-DFA0A04FC94B}">
-                <ma14:wrappingTextBoxFlag xmlns:ma14="http://schemas.microsoft.com/office/mac/drawingml/2011/main" xmlns="" val="1"/>
+                <ma14:wrappingTextBoxFlag xmlns="" xmlns:ma14="http://schemas.microsoft.com/office/mac/drawingml/2011/main" val="1"/>
               </a:ext>
             </a:extLst>
           </p:spPr>
@@ -20506,7 +20505,7 @@
             </a:ln>
             <a:extLst>
               <a:ext uri="{C572A759-6A51-4108-AA02-DFA0A04FC94B}">
-                <ma14:wrappingTextBoxFlag xmlns:ma14="http://schemas.microsoft.com/office/mac/drawingml/2011/main" xmlns="" val="1"/>
+                <ma14:wrappingTextBoxFlag xmlns="" xmlns:ma14="http://schemas.microsoft.com/office/mac/drawingml/2011/main" val="1"/>
               </a:ext>
             </a:extLst>
           </p:spPr>
@@ -20561,7 +20560,7 @@
             </a:ln>
             <a:extLst>
               <a:ext uri="{C572A759-6A51-4108-AA02-DFA0A04FC94B}">
-                <ma14:wrappingTextBoxFlag xmlns:ma14="http://schemas.microsoft.com/office/mac/drawingml/2011/main" xmlns="" val="1"/>
+                <ma14:wrappingTextBoxFlag xmlns="" xmlns:ma14="http://schemas.microsoft.com/office/mac/drawingml/2011/main" val="1"/>
               </a:ext>
             </a:extLst>
           </p:spPr>
@@ -20615,7 +20614,7 @@
             </a:ln>
             <a:extLst>
               <a:ext uri="{C572A759-6A51-4108-AA02-DFA0A04FC94B}">
-                <ma14:wrappingTextBoxFlag xmlns:ma14="http://schemas.microsoft.com/office/mac/drawingml/2011/main" xmlns="" val="1"/>
+                <ma14:wrappingTextBoxFlag xmlns="" xmlns:ma14="http://schemas.microsoft.com/office/mac/drawingml/2011/main" val="1"/>
               </a:ext>
             </a:extLst>
           </p:spPr>
@@ -20669,7 +20668,7 @@
             </a:ln>
             <a:extLst>
               <a:ext uri="{C572A759-6A51-4108-AA02-DFA0A04FC94B}">
-                <ma14:wrappingTextBoxFlag xmlns:ma14="http://schemas.microsoft.com/office/mac/drawingml/2011/main" xmlns="" val="1"/>
+                <ma14:wrappingTextBoxFlag xmlns="" xmlns:ma14="http://schemas.microsoft.com/office/mac/drawingml/2011/main" val="1"/>
               </a:ext>
             </a:extLst>
           </p:spPr>
@@ -20723,7 +20722,7 @@
             </a:ln>
             <a:extLst>
               <a:ext uri="{C572A759-6A51-4108-AA02-DFA0A04FC94B}">
-                <ma14:wrappingTextBoxFlag xmlns:ma14="http://schemas.microsoft.com/office/mac/drawingml/2011/main" xmlns="" val="1"/>
+                <ma14:wrappingTextBoxFlag xmlns="" xmlns:ma14="http://schemas.microsoft.com/office/mac/drawingml/2011/main" val="1"/>
               </a:ext>
             </a:extLst>
           </p:spPr>
@@ -20778,7 +20777,7 @@
             </a:ln>
             <a:extLst>
               <a:ext uri="{C572A759-6A51-4108-AA02-DFA0A04FC94B}">
-                <ma14:wrappingTextBoxFlag xmlns:ma14="http://schemas.microsoft.com/office/mac/drawingml/2011/main" xmlns="" val="1"/>
+                <ma14:wrappingTextBoxFlag xmlns="" xmlns:ma14="http://schemas.microsoft.com/office/mac/drawingml/2011/main" val="1"/>
               </a:ext>
             </a:extLst>
           </p:spPr>
@@ -20832,7 +20831,7 @@
             </a:ln>
             <a:extLst>
               <a:ext uri="{C572A759-6A51-4108-AA02-DFA0A04FC94B}">
-                <ma14:wrappingTextBoxFlag xmlns:ma14="http://schemas.microsoft.com/office/mac/drawingml/2011/main" xmlns="" val="1"/>
+                <ma14:wrappingTextBoxFlag xmlns="" xmlns:ma14="http://schemas.microsoft.com/office/mac/drawingml/2011/main" val="1"/>
               </a:ext>
             </a:extLst>
           </p:spPr>
@@ -20859,12 +20858,38 @@
           </p:txBody>
         </p:sp>
       </p:grpSp>
+    </p:spTree>
+  </p:cSld>
+  <p:clrMapOvr>
+    <a:masterClrMapping/>
+  </p:clrMapOvr>
+  <p:transition spd="med"/>
+</p:sld>
+</file>
+
+<file path=ppt/slides/slide8.xml><?xml version="1.0" encoding="utf-8"?>
+<p:sld xmlns:a="http://schemas.openxmlformats.org/drawingml/2006/main" xmlns:r="http://schemas.openxmlformats.org/officeDocument/2006/relationships" xmlns:p="http://schemas.openxmlformats.org/presentationml/2006/main">
+  <p:cSld>
+    <p:spTree>
+      <p:nvGrpSpPr>
+        <p:cNvPr id="1" name=""/>
+        <p:cNvGrpSpPr/>
+        <p:nvPr/>
+      </p:nvGrpSpPr>
+      <p:grpSpPr>
+        <a:xfrm>
+          <a:off x="0" y="0"/>
+          <a:ext cx="0" cy="0"/>
+          <a:chOff x="0" y="0"/>
+          <a:chExt cx="0" cy="0"/>
+        </a:xfrm>
+      </p:grpSpPr>
       <p:sp>
         <p:nvSpPr>
-          <p:cNvPr id="63" name="Shape 127">
+          <p:cNvPr id="65" name="Shape 127">
             <a:extLst>
               <a:ext uri="{FF2B5EF4-FFF2-40B4-BE49-F238E27FC236}">
-                <a16:creationId xmlns:a16="http://schemas.microsoft.com/office/drawing/2014/main" id="{15F81895-E041-694B-A766-86A2540B4E67}"/>
+                <a16:creationId xmlns:a16="http://schemas.microsoft.com/office/drawing/2014/main" id="{76D7E896-B506-0340-9FCE-1BE4ED3D5BE6}"/>
               </a:ext>
             </a:extLst>
           </p:cNvPr>
@@ -20873,8 +20898,8 @@
         </p:nvSpPr>
         <p:spPr>
           <a:xfrm>
-            <a:off x="16334649" y="12351216"/>
-            <a:ext cx="7535780" cy="1067599"/>
+            <a:off x="11676185" y="12505104"/>
+            <a:ext cx="12194244" cy="759822"/>
           </a:xfrm>
           <a:prstGeom prst="rect">
             <a:avLst/>
@@ -20884,17 +20909,17 @@
           </a:ln>
           <a:extLst>
             <a:ext uri="{C572A759-6A51-4108-AA02-DFA0A04FC94B}">
-              <ma14:wrappingTextBoxFlag xmlns:ma14="http://schemas.microsoft.com/office/mac/drawingml/2011/main" xmlns="" val="1"/>
+              <ma14:wrappingTextBoxFlag xmlns="" xmlns:ma14="http://schemas.microsoft.com/office/mac/drawingml/2011/main" val="1"/>
             </a:ext>
           </a:extLst>
         </p:spPr>
         <p:txBody>
-          <a:bodyPr wrap="none" lIns="71437" tIns="71437" rIns="71437" bIns="71437" anchor="ctr">
+          <a:bodyPr wrap="square" lIns="71437" tIns="71437" rIns="71437" bIns="71437" anchor="ctr">
             <a:spAutoFit/>
           </a:bodyPr>
           <a:lstStyle/>
           <a:p>
-            <a:pPr algn="r">
+            <a:pPr algn="l">
               <a:defRPr sz="2000" b="0">
                 <a:solidFill>
                   <a:srgbClr val="919191"/>
@@ -20933,151 +20958,7 @@
             </a:r>
             <a:r>
               <a:rPr lang="en-AU" dirty="0"/>
-              <a:t>/</a:t>
-            </a:r>
-          </a:p>
-          <a:p>
-            <a:pPr algn="r">
-              <a:defRPr sz="2000" b="0">
-                <a:solidFill>
-                  <a:srgbClr val="919191"/>
-                </a:solidFill>
-                <a:latin typeface="Montserrat Medium"/>
-                <a:ea typeface="Montserrat Medium"/>
-                <a:cs typeface="Montserrat Medium"/>
-                <a:sym typeface="Montserrat Medium"/>
-              </a:defRPr>
-            </a:pPr>
-            <a:r>
-              <a:rPr lang="en-AU" dirty="0"/>
-              <a:t>photos/</a:t>
-            </a:r>
-            <a:r>
-              <a:rPr lang="en-AU" dirty="0" err="1"/>
-              <a:t>qmnpqDwla_E</a:t>
-            </a:r>
-            <a:endParaRPr lang="en-AU" dirty="0"/>
-          </a:p>
-        </p:txBody>
-      </p:sp>
-    </p:spTree>
-  </p:cSld>
-  <p:clrMapOvr>
-    <a:masterClrMapping/>
-  </p:clrMapOvr>
-  <p:transition spd="med"/>
-</p:sld>
-</file>
-
-<file path=ppt/slides/slide8.xml><?xml version="1.0" encoding="utf-8"?>
-<p:sld xmlns:a="http://schemas.openxmlformats.org/drawingml/2006/main" xmlns:r="http://schemas.openxmlformats.org/officeDocument/2006/relationships" xmlns:p="http://schemas.openxmlformats.org/presentationml/2006/main">
-  <p:cSld>
-    <p:spTree>
-      <p:nvGrpSpPr>
-        <p:cNvPr id="1" name=""/>
-        <p:cNvGrpSpPr/>
-        <p:nvPr/>
-      </p:nvGrpSpPr>
-      <p:grpSpPr>
-        <a:xfrm>
-          <a:off x="0" y="0"/>
-          <a:ext cx="0" cy="0"/>
-          <a:chOff x="0" y="0"/>
-          <a:chExt cx="0" cy="0"/>
-        </a:xfrm>
-      </p:grpSpPr>
-      <p:sp>
-        <p:nvSpPr>
-          <p:cNvPr id="63" name="Shape 127">
-            <a:extLst>
-              <a:ext uri="{FF2B5EF4-FFF2-40B4-BE49-F238E27FC236}">
-                <a16:creationId xmlns:a16="http://schemas.microsoft.com/office/drawing/2014/main" id="{E0B523C3-19BE-7149-B901-77811C587537}"/>
-              </a:ext>
-            </a:extLst>
-          </p:cNvPr>
-          <p:cNvSpPr/>
-          <p:nvPr/>
-        </p:nvSpPr>
-        <p:spPr>
-          <a:xfrm>
-            <a:off x="16334649" y="12351216"/>
-            <a:ext cx="7535780" cy="1067599"/>
-          </a:xfrm>
-          <a:prstGeom prst="rect">
-            <a:avLst/>
-          </a:prstGeom>
-          <a:ln w="12700">
-            <a:miter lim="400000"/>
-          </a:ln>
-          <a:extLst>
-            <a:ext uri="{C572A759-6A51-4108-AA02-DFA0A04FC94B}">
-              <ma14:wrappingTextBoxFlag xmlns:ma14="http://schemas.microsoft.com/office/mac/drawingml/2011/main" xmlns="" val="1"/>
-            </a:ext>
-          </a:extLst>
-        </p:spPr>
-        <p:txBody>
-          <a:bodyPr wrap="none" lIns="71437" tIns="71437" rIns="71437" bIns="71437" anchor="ctr">
-            <a:spAutoFit/>
-          </a:bodyPr>
-          <a:lstStyle/>
-          <a:p>
-            <a:pPr algn="r">
-              <a:defRPr sz="2000" b="0">
-                <a:solidFill>
-                  <a:srgbClr val="919191"/>
-                </a:solidFill>
-                <a:latin typeface="Montserrat Medium"/>
-                <a:ea typeface="Montserrat Medium"/>
-                <a:cs typeface="Montserrat Medium"/>
-                <a:sym typeface="Montserrat Medium"/>
-              </a:defRPr>
-            </a:pPr>
-            <a:endParaRPr lang="en-AU" dirty="0"/>
-          </a:p>
-          <a:p>
-            <a:pPr algn="r">
-              <a:defRPr sz="2000" b="0">
-                <a:solidFill>
-                  <a:srgbClr val="919191"/>
-                </a:solidFill>
-                <a:latin typeface="Montserrat Medium"/>
-                <a:ea typeface="Montserrat Medium"/>
-                <a:cs typeface="Montserrat Medium"/>
-                <a:sym typeface="Montserrat Medium"/>
-              </a:defRPr>
-            </a:pPr>
-            <a:r>
-              <a:rPr dirty="0"/>
-              <a:t>Image Attribution:</a:t>
-            </a:r>
-            <a:r>
-              <a:rPr lang="en-AU" dirty="0"/>
-              <a:t> Josh Calabrese, https://</a:t>
-            </a:r>
-            <a:r>
-              <a:rPr lang="en-AU" dirty="0" err="1"/>
-              <a:t>unsplash.com</a:t>
-            </a:r>
-            <a:r>
-              <a:rPr lang="en-AU" dirty="0"/>
-              <a:t>/</a:t>
-            </a:r>
-          </a:p>
-          <a:p>
-            <a:pPr algn="r">
-              <a:defRPr sz="2000" b="0">
-                <a:solidFill>
-                  <a:srgbClr val="919191"/>
-                </a:solidFill>
-                <a:latin typeface="Montserrat Medium"/>
-                <a:ea typeface="Montserrat Medium"/>
-                <a:cs typeface="Montserrat Medium"/>
-                <a:sym typeface="Montserrat Medium"/>
-              </a:defRPr>
-            </a:pPr>
-            <a:r>
-              <a:rPr lang="en-AU" dirty="0"/>
-              <a:t>photos/</a:t>
+              <a:t>/photos/</a:t>
             </a:r>
             <a:r>
               <a:rPr lang="en-AU" dirty="0" err="1"/>
@@ -21112,7 +20993,7 @@
           </a:ln>
           <a:extLst>
             <a:ext uri="{C572A759-6A51-4108-AA02-DFA0A04FC94B}">
-              <ma14:wrappingTextBoxFlag xmlns:ma14="http://schemas.microsoft.com/office/mac/drawingml/2011/main" xmlns="" val="1"/>
+              <ma14:wrappingTextBoxFlag xmlns="" xmlns:ma14="http://schemas.microsoft.com/office/mac/drawingml/2011/main" val="1"/>
             </a:ext>
           </a:extLst>
         </p:spPr>
@@ -21174,7 +21055,7 @@
           </a:ln>
           <a:extLst>
             <a:ext uri="{C572A759-6A51-4108-AA02-DFA0A04FC94B}">
-              <ma14:wrappingTextBoxFlag xmlns:ma14="http://schemas.microsoft.com/office/mac/drawingml/2011/main" xmlns="" val="1"/>
+              <ma14:wrappingTextBoxFlag xmlns="" xmlns:ma14="http://schemas.microsoft.com/office/mac/drawingml/2011/main" val="1"/>
             </a:ext>
           </a:extLst>
         </p:spPr>
@@ -21236,7 +21117,7 @@
           </a:ln>
           <a:extLst>
             <a:ext uri="{C572A759-6A51-4108-AA02-DFA0A04FC94B}">
-              <ma14:wrappingTextBoxFlag xmlns:ma14="http://schemas.microsoft.com/office/mac/drawingml/2011/main" xmlns="" val="1"/>
+              <ma14:wrappingTextBoxFlag xmlns="" xmlns:ma14="http://schemas.microsoft.com/office/mac/drawingml/2011/main" val="1"/>
             </a:ext>
           </a:extLst>
         </p:spPr>
@@ -21297,7 +21178,7 @@
           </a:ln>
           <a:extLst>
             <a:ext uri="{C572A759-6A51-4108-AA02-DFA0A04FC94B}">
-              <ma14:wrappingTextBoxFlag xmlns:ma14="http://schemas.microsoft.com/office/mac/drawingml/2011/main" xmlns="" val="1"/>
+              <ma14:wrappingTextBoxFlag xmlns="" xmlns:ma14="http://schemas.microsoft.com/office/mac/drawingml/2011/main" val="1"/>
             </a:ext>
           </a:extLst>
         </p:spPr>
@@ -21355,7 +21236,7 @@
           </a:ln>
           <a:extLst>
             <a:ext uri="{C572A759-6A51-4108-AA02-DFA0A04FC94B}">
-              <ma14:wrappingTextBoxFlag xmlns:ma14="http://schemas.microsoft.com/office/mac/drawingml/2011/main" xmlns="" val="1"/>
+              <ma14:wrappingTextBoxFlag xmlns="" xmlns:ma14="http://schemas.microsoft.com/office/mac/drawingml/2011/main" val="1"/>
             </a:ext>
           </a:extLst>
         </p:spPr>
@@ -21417,7 +21298,7 @@
           </a:ln>
           <a:extLst>
             <a:ext uri="{C572A759-6A51-4108-AA02-DFA0A04FC94B}">
-              <ma14:wrappingTextBoxFlag xmlns:ma14="http://schemas.microsoft.com/office/mac/drawingml/2011/main" xmlns="" val="1"/>
+              <ma14:wrappingTextBoxFlag xmlns="" xmlns:ma14="http://schemas.microsoft.com/office/mac/drawingml/2011/main" val="1"/>
             </a:ext>
           </a:extLst>
         </p:spPr>
@@ -21479,7 +21360,7 @@
           </a:ln>
           <a:extLst>
             <a:ext uri="{C572A759-6A51-4108-AA02-DFA0A04FC94B}">
-              <ma14:wrappingTextBoxFlag xmlns:ma14="http://schemas.microsoft.com/office/mac/drawingml/2011/main" xmlns="" val="1"/>
+              <ma14:wrappingTextBoxFlag xmlns="" xmlns:ma14="http://schemas.microsoft.com/office/mac/drawingml/2011/main" val="1"/>
             </a:ext>
           </a:extLst>
         </p:spPr>
@@ -21626,7 +21507,7 @@
             </a:ln>
             <a:extLst>
               <a:ext uri="{C572A759-6A51-4108-AA02-DFA0A04FC94B}">
-                <ma14:wrappingTextBoxFlag xmlns:ma14="http://schemas.microsoft.com/office/mac/drawingml/2011/main" xmlns="" val="1"/>
+                <ma14:wrappingTextBoxFlag xmlns="" xmlns:ma14="http://schemas.microsoft.com/office/mac/drawingml/2011/main" val="1"/>
               </a:ext>
             </a:extLst>
           </p:spPr>
@@ -21714,7 +21595,7 @@
             </a:ln>
             <a:extLst>
               <a:ext uri="{C572A759-6A51-4108-AA02-DFA0A04FC94B}">
-                <ma14:wrappingTextBoxFlag xmlns:ma14="http://schemas.microsoft.com/office/mac/drawingml/2011/main" xmlns="" val="1"/>
+                <ma14:wrappingTextBoxFlag xmlns="" xmlns:ma14="http://schemas.microsoft.com/office/mac/drawingml/2011/main" val="1"/>
               </a:ext>
             </a:extLst>
           </p:spPr>
@@ -21762,7 +21643,7 @@
             </a:ln>
             <a:extLst>
               <a:ext uri="{C572A759-6A51-4108-AA02-DFA0A04FC94B}">
-                <ma14:wrappingTextBoxFlag xmlns:ma14="http://schemas.microsoft.com/office/mac/drawingml/2011/main" xmlns="" val="1"/>
+                <ma14:wrappingTextBoxFlag xmlns="" xmlns:ma14="http://schemas.microsoft.com/office/mac/drawingml/2011/main" val="1"/>
               </a:ext>
             </a:extLst>
           </p:spPr>
@@ -21810,7 +21691,7 @@
             </a:ln>
             <a:extLst>
               <a:ext uri="{C572A759-6A51-4108-AA02-DFA0A04FC94B}">
-                <ma14:wrappingTextBoxFlag xmlns:ma14="http://schemas.microsoft.com/office/mac/drawingml/2011/main" xmlns="" val="1"/>
+                <ma14:wrappingTextBoxFlag xmlns="" xmlns:ma14="http://schemas.microsoft.com/office/mac/drawingml/2011/main" val="1"/>
               </a:ext>
             </a:extLst>
           </p:spPr>
@@ -21858,7 +21739,7 @@
             </a:ln>
             <a:extLst>
               <a:ext uri="{C572A759-6A51-4108-AA02-DFA0A04FC94B}">
-                <ma14:wrappingTextBoxFlag xmlns:ma14="http://schemas.microsoft.com/office/mac/drawingml/2011/main" xmlns="" val="1"/>
+                <ma14:wrappingTextBoxFlag xmlns="" xmlns:ma14="http://schemas.microsoft.com/office/mac/drawingml/2011/main" val="1"/>
               </a:ext>
             </a:extLst>
           </p:spPr>
@@ -21906,7 +21787,7 @@
             </a:ln>
             <a:extLst>
               <a:ext uri="{C572A759-6A51-4108-AA02-DFA0A04FC94B}">
-                <ma14:wrappingTextBoxFlag xmlns:ma14="http://schemas.microsoft.com/office/mac/drawingml/2011/main" xmlns="" val="1"/>
+                <ma14:wrappingTextBoxFlag xmlns="" xmlns:ma14="http://schemas.microsoft.com/office/mac/drawingml/2011/main" val="1"/>
               </a:ext>
             </a:extLst>
           </p:spPr>
@@ -21954,7 +21835,7 @@
             </a:ln>
             <a:extLst>
               <a:ext uri="{C572A759-6A51-4108-AA02-DFA0A04FC94B}">
-                <ma14:wrappingTextBoxFlag xmlns:ma14="http://schemas.microsoft.com/office/mac/drawingml/2011/main" xmlns="" val="1"/>
+                <ma14:wrappingTextBoxFlag xmlns="" xmlns:ma14="http://schemas.microsoft.com/office/mac/drawingml/2011/main" val="1"/>
               </a:ext>
             </a:extLst>
           </p:spPr>
@@ -22002,7 +21883,7 @@
             </a:ln>
             <a:extLst>
               <a:ext uri="{C572A759-6A51-4108-AA02-DFA0A04FC94B}">
-                <ma14:wrappingTextBoxFlag xmlns:ma14="http://schemas.microsoft.com/office/mac/drawingml/2011/main" xmlns="" val="1"/>
+                <ma14:wrappingTextBoxFlag xmlns="" xmlns:ma14="http://schemas.microsoft.com/office/mac/drawingml/2011/main" val="1"/>
               </a:ext>
             </a:extLst>
           </p:spPr>
@@ -22117,7 +21998,7 @@
           </a:ln>
           <a:extLst>
             <a:ext uri="{C572A759-6A51-4108-AA02-DFA0A04FC94B}">
-              <ma14:wrappingTextBoxFlag xmlns:ma14="http://schemas.microsoft.com/office/mac/drawingml/2011/main" xmlns="" val="1"/>
+              <ma14:wrappingTextBoxFlag xmlns="" xmlns:ma14="http://schemas.microsoft.com/office/mac/drawingml/2011/main" val="1"/>
             </a:ext>
           </a:extLst>
         </p:spPr>
@@ -22388,7 +22269,7 @@
             </a:ln>
             <a:extLst>
               <a:ext uri="{C572A759-6A51-4108-AA02-DFA0A04FC94B}">
-                <ma14:wrappingTextBoxFlag xmlns:ma14="http://schemas.microsoft.com/office/mac/drawingml/2011/main" xmlns="" val="1"/>
+                <ma14:wrappingTextBoxFlag xmlns="" xmlns:ma14="http://schemas.microsoft.com/office/mac/drawingml/2011/main" val="1"/>
               </a:ext>
             </a:extLst>
           </p:spPr>
@@ -22449,7 +22330,7 @@
             </a:ln>
             <a:extLst>
               <a:ext uri="{C572A759-6A51-4108-AA02-DFA0A04FC94B}">
-                <ma14:wrappingTextBoxFlag xmlns:ma14="http://schemas.microsoft.com/office/mac/drawingml/2011/main" xmlns="" val="1"/>
+                <ma14:wrappingTextBoxFlag xmlns="" xmlns:ma14="http://schemas.microsoft.com/office/mac/drawingml/2011/main" val="1"/>
               </a:ext>
             </a:extLst>
           </p:spPr>
@@ -22629,7 +22510,7 @@
             </a:ln>
             <a:extLst>
               <a:ext uri="{C572A759-6A51-4108-AA02-DFA0A04FC94B}">
-                <ma14:wrappingTextBoxFlag xmlns:ma14="http://schemas.microsoft.com/office/mac/drawingml/2011/main" xmlns="" val="1"/>
+                <ma14:wrappingTextBoxFlag xmlns="" xmlns:ma14="http://schemas.microsoft.com/office/mac/drawingml/2011/main" val="1"/>
               </a:ext>
             </a:extLst>
           </p:spPr>
@@ -22773,7 +22654,7 @@
             </a:ln>
             <a:extLst>
               <a:ext uri="{C572A759-6A51-4108-AA02-DFA0A04FC94B}">
-                <ma14:wrappingTextBoxFlag xmlns:ma14="http://schemas.microsoft.com/office/mac/drawingml/2011/main" xmlns="" val="1"/>
+                <ma14:wrappingTextBoxFlag xmlns="" xmlns:ma14="http://schemas.microsoft.com/office/mac/drawingml/2011/main" val="1"/>
               </a:ext>
             </a:extLst>
           </p:spPr>
@@ -22827,7 +22708,7 @@
             </a:ln>
             <a:extLst>
               <a:ext uri="{C572A759-6A51-4108-AA02-DFA0A04FC94B}">
-                <ma14:wrappingTextBoxFlag xmlns:ma14="http://schemas.microsoft.com/office/mac/drawingml/2011/main" xmlns="" val="1"/>
+                <ma14:wrappingTextBoxFlag xmlns="" xmlns:ma14="http://schemas.microsoft.com/office/mac/drawingml/2011/main" val="1"/>
               </a:ext>
             </a:extLst>
           </p:spPr>
@@ -22881,7 +22762,7 @@
             </a:ln>
             <a:extLst>
               <a:ext uri="{C572A759-6A51-4108-AA02-DFA0A04FC94B}">
-                <ma14:wrappingTextBoxFlag xmlns:ma14="http://schemas.microsoft.com/office/mac/drawingml/2011/main" xmlns="" val="1"/>
+                <ma14:wrappingTextBoxFlag xmlns="" xmlns:ma14="http://schemas.microsoft.com/office/mac/drawingml/2011/main" val="1"/>
               </a:ext>
             </a:extLst>
           </p:spPr>
@@ -22935,7 +22816,7 @@
             </a:ln>
             <a:extLst>
               <a:ext uri="{C572A759-6A51-4108-AA02-DFA0A04FC94B}">
-                <ma14:wrappingTextBoxFlag xmlns:ma14="http://schemas.microsoft.com/office/mac/drawingml/2011/main" xmlns="" val="1"/>
+                <ma14:wrappingTextBoxFlag xmlns="" xmlns:ma14="http://schemas.microsoft.com/office/mac/drawingml/2011/main" val="1"/>
               </a:ext>
             </a:extLst>
           </p:spPr>
@@ -22989,7 +22870,7 @@
             </a:ln>
             <a:extLst>
               <a:ext uri="{C572A759-6A51-4108-AA02-DFA0A04FC94B}">
-                <ma14:wrappingTextBoxFlag xmlns:ma14="http://schemas.microsoft.com/office/mac/drawingml/2011/main" xmlns="" val="1"/>
+                <ma14:wrappingTextBoxFlag xmlns="" xmlns:ma14="http://schemas.microsoft.com/office/mac/drawingml/2011/main" val="1"/>
               </a:ext>
             </a:extLst>
           </p:spPr>
@@ -23043,7 +22924,7 @@
             </a:ln>
             <a:extLst>
               <a:ext uri="{C572A759-6A51-4108-AA02-DFA0A04FC94B}">
-                <ma14:wrappingTextBoxFlag xmlns:ma14="http://schemas.microsoft.com/office/mac/drawingml/2011/main" xmlns="" val="1"/>
+                <ma14:wrappingTextBoxFlag xmlns="" xmlns:ma14="http://schemas.microsoft.com/office/mac/drawingml/2011/main" val="1"/>
               </a:ext>
             </a:extLst>
           </p:spPr>
@@ -23097,7 +22978,7 @@
             </a:ln>
             <a:extLst>
               <a:ext uri="{C572A759-6A51-4108-AA02-DFA0A04FC94B}">
-                <ma14:wrappingTextBoxFlag xmlns:ma14="http://schemas.microsoft.com/office/mac/drawingml/2011/main" xmlns="" val="1"/>
+                <ma14:wrappingTextBoxFlag xmlns="" xmlns:ma14="http://schemas.microsoft.com/office/mac/drawingml/2011/main" val="1"/>
               </a:ext>
             </a:extLst>
           </p:spPr>
@@ -23404,7 +23285,7 @@
             </a:ln>
             <a:extLst>
               <a:ext uri="{C572A759-6A51-4108-AA02-DFA0A04FC94B}">
-                <ma14:wrappingTextBoxFlag xmlns:ma14="http://schemas.microsoft.com/office/mac/drawingml/2011/main" xmlns="" val="1"/>
+                <ma14:wrappingTextBoxFlag xmlns="" xmlns:ma14="http://schemas.microsoft.com/office/mac/drawingml/2011/main" val="1"/>
               </a:ext>
             </a:extLst>
           </p:spPr>
@@ -23591,7 +23472,7 @@
             </a:ln>
             <a:extLst>
               <a:ext uri="{C572A759-6A51-4108-AA02-DFA0A04FC94B}">
-                <ma14:wrappingTextBoxFlag xmlns:ma14="http://schemas.microsoft.com/office/mac/drawingml/2011/main" xmlns="" val="1"/>
+                <ma14:wrappingTextBoxFlag xmlns="" xmlns:ma14="http://schemas.microsoft.com/office/mac/drawingml/2011/main" val="1"/>
               </a:ext>
             </a:extLst>
           </p:spPr>
@@ -23771,7 +23652,7 @@
             </a:ln>
             <a:extLst>
               <a:ext uri="{C572A759-6A51-4108-AA02-DFA0A04FC94B}">
-                <ma14:wrappingTextBoxFlag xmlns:ma14="http://schemas.microsoft.com/office/mac/drawingml/2011/main" xmlns="" val="1"/>
+                <ma14:wrappingTextBoxFlag xmlns="" xmlns:ma14="http://schemas.microsoft.com/office/mac/drawingml/2011/main" val="1"/>
               </a:ext>
             </a:extLst>
           </p:spPr>
@@ -23973,7 +23854,7 @@
             </a:ln>
             <a:extLst>
               <a:ext uri="{C572A759-6A51-4108-AA02-DFA0A04FC94B}">
-                <ma14:wrappingTextBoxFlag xmlns:ma14="http://schemas.microsoft.com/office/mac/drawingml/2011/main" xmlns="" val="1"/>
+                <ma14:wrappingTextBoxFlag xmlns="" xmlns:ma14="http://schemas.microsoft.com/office/mac/drawingml/2011/main" val="1"/>
               </a:ext>
             </a:extLst>
           </p:spPr>
@@ -24079,7 +23960,7 @@
             </a:ln>
             <a:extLst>
               <a:ext uri="{C572A759-6A51-4108-AA02-DFA0A04FC94B}">
-                <ma14:wrappingTextBoxFlag xmlns:ma14="http://schemas.microsoft.com/office/mac/drawingml/2011/main" xmlns="" val="1"/>
+                <ma14:wrappingTextBoxFlag xmlns="" xmlns:ma14="http://schemas.microsoft.com/office/mac/drawingml/2011/main" val="1"/>
               </a:ext>
             </a:extLst>
           </p:spPr>
@@ -24133,7 +24014,7 @@
             </a:ln>
             <a:extLst>
               <a:ext uri="{C572A759-6A51-4108-AA02-DFA0A04FC94B}">
-                <ma14:wrappingTextBoxFlag xmlns:ma14="http://schemas.microsoft.com/office/mac/drawingml/2011/main" xmlns="" val="1"/>
+                <ma14:wrappingTextBoxFlag xmlns="" xmlns:ma14="http://schemas.microsoft.com/office/mac/drawingml/2011/main" val="1"/>
               </a:ext>
             </a:extLst>
           </p:spPr>
@@ -24187,7 +24068,7 @@
             </a:ln>
             <a:extLst>
               <a:ext uri="{C572A759-6A51-4108-AA02-DFA0A04FC94B}">
-                <ma14:wrappingTextBoxFlag xmlns:ma14="http://schemas.microsoft.com/office/mac/drawingml/2011/main" xmlns="" val="1"/>
+                <ma14:wrappingTextBoxFlag xmlns="" xmlns:ma14="http://schemas.microsoft.com/office/mac/drawingml/2011/main" val="1"/>
               </a:ext>
             </a:extLst>
           </p:spPr>
@@ -24241,7 +24122,7 @@
             </a:ln>
             <a:extLst>
               <a:ext uri="{C572A759-6A51-4108-AA02-DFA0A04FC94B}">
-                <ma14:wrappingTextBoxFlag xmlns:ma14="http://schemas.microsoft.com/office/mac/drawingml/2011/main" xmlns="" val="1"/>
+                <ma14:wrappingTextBoxFlag xmlns="" xmlns:ma14="http://schemas.microsoft.com/office/mac/drawingml/2011/main" val="1"/>
               </a:ext>
             </a:extLst>
           </p:spPr>
@@ -24295,7 +24176,7 @@
             </a:ln>
             <a:extLst>
               <a:ext uri="{C572A759-6A51-4108-AA02-DFA0A04FC94B}">
-                <ma14:wrappingTextBoxFlag xmlns:ma14="http://schemas.microsoft.com/office/mac/drawingml/2011/main" xmlns="" val="1"/>
+                <ma14:wrappingTextBoxFlag xmlns="" xmlns:ma14="http://schemas.microsoft.com/office/mac/drawingml/2011/main" val="1"/>
               </a:ext>
             </a:extLst>
           </p:spPr>
@@ -24350,7 +24231,7 @@
             </a:ln>
             <a:extLst>
               <a:ext uri="{C572A759-6A51-4108-AA02-DFA0A04FC94B}">
-                <ma14:wrappingTextBoxFlag xmlns:ma14="http://schemas.microsoft.com/office/mac/drawingml/2011/main" xmlns="" val="1"/>
+                <ma14:wrappingTextBoxFlag xmlns="" xmlns:ma14="http://schemas.microsoft.com/office/mac/drawingml/2011/main" val="1"/>
               </a:ext>
             </a:extLst>
           </p:spPr>
@@ -24404,7 +24285,7 @@
             </a:ln>
             <a:extLst>
               <a:ext uri="{C572A759-6A51-4108-AA02-DFA0A04FC94B}">
-                <ma14:wrappingTextBoxFlag xmlns:ma14="http://schemas.microsoft.com/office/mac/drawingml/2011/main" xmlns="" val="1"/>
+                <ma14:wrappingTextBoxFlag xmlns="" xmlns:ma14="http://schemas.microsoft.com/office/mac/drawingml/2011/main" val="1"/>
               </a:ext>
             </a:extLst>
           </p:spPr>
@@ -24459,10 +24340,10 @@
       </p:grpSpPr>
       <p:sp>
         <p:nvSpPr>
-          <p:cNvPr id="63" name="Shape 127">
+          <p:cNvPr id="65" name="Shape 127">
             <a:extLst>
               <a:ext uri="{FF2B5EF4-FFF2-40B4-BE49-F238E27FC236}">
-                <a16:creationId xmlns:a16="http://schemas.microsoft.com/office/drawing/2014/main" id="{574AC4C6-E2C5-2545-98BE-3972CA80C2A9}"/>
+                <a16:creationId xmlns:a16="http://schemas.microsoft.com/office/drawing/2014/main" id="{48A6D52D-0B53-D742-A1E2-FBC2320B8747}"/>
               </a:ext>
             </a:extLst>
           </p:cNvPr>
@@ -24471,8 +24352,8 @@
         </p:nvSpPr>
         <p:spPr>
           <a:xfrm>
-            <a:off x="16334649" y="12351216"/>
-            <a:ext cx="7535780" cy="1067599"/>
+            <a:off x="11676185" y="12505104"/>
+            <a:ext cx="12194244" cy="759822"/>
           </a:xfrm>
           <a:prstGeom prst="rect">
             <a:avLst/>
@@ -24482,17 +24363,17 @@
           </a:ln>
           <a:extLst>
             <a:ext uri="{C572A759-6A51-4108-AA02-DFA0A04FC94B}">
-              <ma14:wrappingTextBoxFlag xmlns:ma14="http://schemas.microsoft.com/office/mac/drawingml/2011/main" xmlns="" val="1"/>
+              <ma14:wrappingTextBoxFlag xmlns="" xmlns:ma14="http://schemas.microsoft.com/office/mac/drawingml/2011/main" val="1"/>
             </a:ext>
           </a:extLst>
         </p:spPr>
         <p:txBody>
-          <a:bodyPr wrap="none" lIns="71437" tIns="71437" rIns="71437" bIns="71437" anchor="ctr">
+          <a:bodyPr wrap="square" lIns="71437" tIns="71437" rIns="71437" bIns="71437" anchor="ctr">
             <a:spAutoFit/>
           </a:bodyPr>
           <a:lstStyle/>
           <a:p>
-            <a:pPr algn="r">
+            <a:pPr algn="l">
               <a:defRPr sz="2000" b="0">
                 <a:solidFill>
                   <a:srgbClr val="919191"/>
@@ -24531,24 +24412,7 @@
             </a:r>
             <a:r>
               <a:rPr lang="en-AU" dirty="0"/>
-              <a:t>/</a:t>
-            </a:r>
-          </a:p>
-          <a:p>
-            <a:pPr algn="r">
-              <a:defRPr sz="2000" b="0">
-                <a:solidFill>
-                  <a:srgbClr val="919191"/>
-                </a:solidFill>
-                <a:latin typeface="Montserrat Medium"/>
-                <a:ea typeface="Montserrat Medium"/>
-                <a:cs typeface="Montserrat Medium"/>
-                <a:sym typeface="Montserrat Medium"/>
-              </a:defRPr>
-            </a:pPr>
-            <a:r>
-              <a:rPr lang="en-AU" dirty="0"/>
-              <a:t>photos/</a:t>
+              <a:t>/photos/</a:t>
             </a:r>
             <a:r>
               <a:rPr lang="en-AU" dirty="0" err="1"/>
@@ -24583,7 +24447,7 @@
           </a:ln>
           <a:extLst>
             <a:ext uri="{C572A759-6A51-4108-AA02-DFA0A04FC94B}">
-              <ma14:wrappingTextBoxFlag xmlns:ma14="http://schemas.microsoft.com/office/mac/drawingml/2011/main" xmlns="" val="1"/>
+              <ma14:wrappingTextBoxFlag xmlns="" xmlns:ma14="http://schemas.microsoft.com/office/mac/drawingml/2011/main" val="1"/>
             </a:ext>
           </a:extLst>
         </p:spPr>
@@ -24641,7 +24505,7 @@
           </a:ln>
           <a:extLst>
             <a:ext uri="{C572A759-6A51-4108-AA02-DFA0A04FC94B}">
-              <ma14:wrappingTextBoxFlag xmlns:ma14="http://schemas.microsoft.com/office/mac/drawingml/2011/main" xmlns="" val="1"/>
+              <ma14:wrappingTextBoxFlag xmlns="" xmlns:ma14="http://schemas.microsoft.com/office/mac/drawingml/2011/main" val="1"/>
             </a:ext>
           </a:extLst>
         </p:spPr>
@@ -24703,7 +24567,7 @@
           </a:ln>
           <a:extLst>
             <a:ext uri="{C572A759-6A51-4108-AA02-DFA0A04FC94B}">
-              <ma14:wrappingTextBoxFlag xmlns:ma14="http://schemas.microsoft.com/office/mac/drawingml/2011/main" xmlns="" val="1"/>
+              <ma14:wrappingTextBoxFlag xmlns="" xmlns:ma14="http://schemas.microsoft.com/office/mac/drawingml/2011/main" val="1"/>
             </a:ext>
           </a:extLst>
         </p:spPr>
@@ -24764,7 +24628,7 @@
           </a:ln>
           <a:extLst>
             <a:ext uri="{C572A759-6A51-4108-AA02-DFA0A04FC94B}">
-              <ma14:wrappingTextBoxFlag xmlns:ma14="http://schemas.microsoft.com/office/mac/drawingml/2011/main" xmlns="" val="1"/>
+              <ma14:wrappingTextBoxFlag xmlns="" xmlns:ma14="http://schemas.microsoft.com/office/mac/drawingml/2011/main" val="1"/>
             </a:ext>
           </a:extLst>
         </p:spPr>
@@ -24822,7 +24686,7 @@
           </a:ln>
           <a:extLst>
             <a:ext uri="{C572A759-6A51-4108-AA02-DFA0A04FC94B}">
-              <ma14:wrappingTextBoxFlag xmlns:ma14="http://schemas.microsoft.com/office/mac/drawingml/2011/main" xmlns="" val="1"/>
+              <ma14:wrappingTextBoxFlag xmlns="" xmlns:ma14="http://schemas.microsoft.com/office/mac/drawingml/2011/main" val="1"/>
             </a:ext>
           </a:extLst>
         </p:spPr>
@@ -24884,7 +24748,7 @@
           </a:ln>
           <a:extLst>
             <a:ext uri="{C572A759-6A51-4108-AA02-DFA0A04FC94B}">
-              <ma14:wrappingTextBoxFlag xmlns:ma14="http://schemas.microsoft.com/office/mac/drawingml/2011/main" xmlns="" val="1"/>
+              <ma14:wrappingTextBoxFlag xmlns="" xmlns:ma14="http://schemas.microsoft.com/office/mac/drawingml/2011/main" val="1"/>
             </a:ext>
           </a:extLst>
         </p:spPr>
@@ -24946,7 +24810,7 @@
           </a:ln>
           <a:extLst>
             <a:ext uri="{C572A759-6A51-4108-AA02-DFA0A04FC94B}">
-              <ma14:wrappingTextBoxFlag xmlns:ma14="http://schemas.microsoft.com/office/mac/drawingml/2011/main" xmlns="" val="1"/>
+              <ma14:wrappingTextBoxFlag xmlns="" xmlns:ma14="http://schemas.microsoft.com/office/mac/drawingml/2011/main" val="1"/>
             </a:ext>
           </a:extLst>
         </p:spPr>
@@ -25093,7 +24957,7 @@
             </a:ln>
             <a:extLst>
               <a:ext uri="{C572A759-6A51-4108-AA02-DFA0A04FC94B}">
-                <ma14:wrappingTextBoxFlag xmlns:ma14="http://schemas.microsoft.com/office/mac/drawingml/2011/main" xmlns="" val="1"/>
+                <ma14:wrappingTextBoxFlag xmlns="" xmlns:ma14="http://schemas.microsoft.com/office/mac/drawingml/2011/main" val="1"/>
               </a:ext>
             </a:extLst>
           </p:spPr>
@@ -25184,7 +25048,7 @@
             </a:ln>
             <a:extLst>
               <a:ext uri="{C572A759-6A51-4108-AA02-DFA0A04FC94B}">
-                <ma14:wrappingTextBoxFlag xmlns:ma14="http://schemas.microsoft.com/office/mac/drawingml/2011/main" xmlns="" val="1"/>
+                <ma14:wrappingTextBoxFlag xmlns="" xmlns:ma14="http://schemas.microsoft.com/office/mac/drawingml/2011/main" val="1"/>
               </a:ext>
             </a:extLst>
           </p:spPr>
@@ -25232,7 +25096,7 @@
             </a:ln>
             <a:extLst>
               <a:ext uri="{C572A759-6A51-4108-AA02-DFA0A04FC94B}">
-                <ma14:wrappingTextBoxFlag xmlns:ma14="http://schemas.microsoft.com/office/mac/drawingml/2011/main" xmlns="" val="1"/>
+                <ma14:wrappingTextBoxFlag xmlns="" xmlns:ma14="http://schemas.microsoft.com/office/mac/drawingml/2011/main" val="1"/>
               </a:ext>
             </a:extLst>
           </p:spPr>
@@ -25280,7 +25144,7 @@
             </a:ln>
             <a:extLst>
               <a:ext uri="{C572A759-6A51-4108-AA02-DFA0A04FC94B}">
-                <ma14:wrappingTextBoxFlag xmlns:ma14="http://schemas.microsoft.com/office/mac/drawingml/2011/main" xmlns="" val="1"/>
+                <ma14:wrappingTextBoxFlag xmlns="" xmlns:ma14="http://schemas.microsoft.com/office/mac/drawingml/2011/main" val="1"/>
               </a:ext>
             </a:extLst>
           </p:spPr>
@@ -25328,7 +25192,7 @@
             </a:ln>
             <a:extLst>
               <a:ext uri="{C572A759-6A51-4108-AA02-DFA0A04FC94B}">
-                <ma14:wrappingTextBoxFlag xmlns:ma14="http://schemas.microsoft.com/office/mac/drawingml/2011/main" xmlns="" val="1"/>
+                <ma14:wrappingTextBoxFlag xmlns="" xmlns:ma14="http://schemas.microsoft.com/office/mac/drawingml/2011/main" val="1"/>
               </a:ext>
             </a:extLst>
           </p:spPr>
@@ -25376,7 +25240,7 @@
             </a:ln>
             <a:extLst>
               <a:ext uri="{C572A759-6A51-4108-AA02-DFA0A04FC94B}">
-                <ma14:wrappingTextBoxFlag xmlns:ma14="http://schemas.microsoft.com/office/mac/drawingml/2011/main" xmlns="" val="1"/>
+                <ma14:wrappingTextBoxFlag xmlns="" xmlns:ma14="http://schemas.microsoft.com/office/mac/drawingml/2011/main" val="1"/>
               </a:ext>
             </a:extLst>
           </p:spPr>
@@ -25424,7 +25288,7 @@
             </a:ln>
             <a:extLst>
               <a:ext uri="{C572A759-6A51-4108-AA02-DFA0A04FC94B}">
-                <ma14:wrappingTextBoxFlag xmlns:ma14="http://schemas.microsoft.com/office/mac/drawingml/2011/main" xmlns="" val="1"/>
+                <ma14:wrappingTextBoxFlag xmlns="" xmlns:ma14="http://schemas.microsoft.com/office/mac/drawingml/2011/main" val="1"/>
               </a:ext>
             </a:extLst>
           </p:spPr>
@@ -25472,7 +25336,7 @@
             </a:ln>
             <a:extLst>
               <a:ext uri="{C572A759-6A51-4108-AA02-DFA0A04FC94B}">
-                <ma14:wrappingTextBoxFlag xmlns:ma14="http://schemas.microsoft.com/office/mac/drawingml/2011/main" xmlns="" val="1"/>
+                <ma14:wrappingTextBoxFlag xmlns="" xmlns:ma14="http://schemas.microsoft.com/office/mac/drawingml/2011/main" val="1"/>
               </a:ext>
             </a:extLst>
           </p:spPr>
@@ -25587,7 +25451,7 @@
           </a:ln>
           <a:extLst>
             <a:ext uri="{C572A759-6A51-4108-AA02-DFA0A04FC94B}">
-              <ma14:wrappingTextBoxFlag xmlns:ma14="http://schemas.microsoft.com/office/mac/drawingml/2011/main" xmlns="" val="1"/>
+              <ma14:wrappingTextBoxFlag xmlns="" xmlns:ma14="http://schemas.microsoft.com/office/mac/drawingml/2011/main" val="1"/>
             </a:ext>
           </a:extLst>
         </p:spPr>
@@ -25858,7 +25722,7 @@
             </a:ln>
             <a:extLst>
               <a:ext uri="{C572A759-6A51-4108-AA02-DFA0A04FC94B}">
-                <ma14:wrappingTextBoxFlag xmlns:ma14="http://schemas.microsoft.com/office/mac/drawingml/2011/main" xmlns="" val="1"/>
+                <ma14:wrappingTextBoxFlag xmlns="" xmlns:ma14="http://schemas.microsoft.com/office/mac/drawingml/2011/main" val="1"/>
               </a:ext>
             </a:extLst>
           </p:spPr>
@@ -25919,7 +25783,7 @@
             </a:ln>
             <a:extLst>
               <a:ext uri="{C572A759-6A51-4108-AA02-DFA0A04FC94B}">
-                <ma14:wrappingTextBoxFlag xmlns:ma14="http://schemas.microsoft.com/office/mac/drawingml/2011/main" xmlns="" val="1"/>
+                <ma14:wrappingTextBoxFlag xmlns="" xmlns:ma14="http://schemas.microsoft.com/office/mac/drawingml/2011/main" val="1"/>
               </a:ext>
             </a:extLst>
           </p:spPr>
@@ -26099,7 +25963,7 @@
             </a:ln>
             <a:extLst>
               <a:ext uri="{C572A759-6A51-4108-AA02-DFA0A04FC94B}">
-                <ma14:wrappingTextBoxFlag xmlns:ma14="http://schemas.microsoft.com/office/mac/drawingml/2011/main" xmlns="" val="1"/>
+                <ma14:wrappingTextBoxFlag xmlns="" xmlns:ma14="http://schemas.microsoft.com/office/mac/drawingml/2011/main" val="1"/>
               </a:ext>
             </a:extLst>
           </p:spPr>
@@ -26224,7 +26088,7 @@
             </a:ln>
             <a:extLst>
               <a:ext uri="{C572A759-6A51-4108-AA02-DFA0A04FC94B}">
-                <ma14:wrappingTextBoxFlag xmlns:ma14="http://schemas.microsoft.com/office/mac/drawingml/2011/main" xmlns="" val="1"/>
+                <ma14:wrappingTextBoxFlag xmlns="" xmlns:ma14="http://schemas.microsoft.com/office/mac/drawingml/2011/main" val="1"/>
               </a:ext>
             </a:extLst>
           </p:spPr>
@@ -26278,7 +26142,7 @@
             </a:ln>
             <a:extLst>
               <a:ext uri="{C572A759-6A51-4108-AA02-DFA0A04FC94B}">
-                <ma14:wrappingTextBoxFlag xmlns:ma14="http://schemas.microsoft.com/office/mac/drawingml/2011/main" xmlns="" val="1"/>
+                <ma14:wrappingTextBoxFlag xmlns="" xmlns:ma14="http://schemas.microsoft.com/office/mac/drawingml/2011/main" val="1"/>
               </a:ext>
             </a:extLst>
           </p:spPr>
@@ -26332,7 +26196,7 @@
             </a:ln>
             <a:extLst>
               <a:ext uri="{C572A759-6A51-4108-AA02-DFA0A04FC94B}">
-                <ma14:wrappingTextBoxFlag xmlns:ma14="http://schemas.microsoft.com/office/mac/drawingml/2011/main" xmlns="" val="1"/>
+                <ma14:wrappingTextBoxFlag xmlns="" xmlns:ma14="http://schemas.microsoft.com/office/mac/drawingml/2011/main" val="1"/>
               </a:ext>
             </a:extLst>
           </p:spPr>
@@ -26386,7 +26250,7 @@
             </a:ln>
             <a:extLst>
               <a:ext uri="{C572A759-6A51-4108-AA02-DFA0A04FC94B}">
-                <ma14:wrappingTextBoxFlag xmlns:ma14="http://schemas.microsoft.com/office/mac/drawingml/2011/main" xmlns="" val="1"/>
+                <ma14:wrappingTextBoxFlag xmlns="" xmlns:ma14="http://schemas.microsoft.com/office/mac/drawingml/2011/main" val="1"/>
               </a:ext>
             </a:extLst>
           </p:spPr>
@@ -26440,7 +26304,7 @@
             </a:ln>
             <a:extLst>
               <a:ext uri="{C572A759-6A51-4108-AA02-DFA0A04FC94B}">
-                <ma14:wrappingTextBoxFlag xmlns:ma14="http://schemas.microsoft.com/office/mac/drawingml/2011/main" xmlns="" val="1"/>
+                <ma14:wrappingTextBoxFlag xmlns="" xmlns:ma14="http://schemas.microsoft.com/office/mac/drawingml/2011/main" val="1"/>
               </a:ext>
             </a:extLst>
           </p:spPr>
@@ -26494,7 +26358,7 @@
             </a:ln>
             <a:extLst>
               <a:ext uri="{C572A759-6A51-4108-AA02-DFA0A04FC94B}">
-                <ma14:wrappingTextBoxFlag xmlns:ma14="http://schemas.microsoft.com/office/mac/drawingml/2011/main" xmlns="" val="1"/>
+                <ma14:wrappingTextBoxFlag xmlns="" xmlns:ma14="http://schemas.microsoft.com/office/mac/drawingml/2011/main" val="1"/>
               </a:ext>
             </a:extLst>
           </p:spPr>
@@ -26548,7 +26412,7 @@
             </a:ln>
             <a:extLst>
               <a:ext uri="{C572A759-6A51-4108-AA02-DFA0A04FC94B}">
-                <ma14:wrappingTextBoxFlag xmlns:ma14="http://schemas.microsoft.com/office/mac/drawingml/2011/main" xmlns="" val="1"/>
+                <ma14:wrappingTextBoxFlag xmlns="" xmlns:ma14="http://schemas.microsoft.com/office/mac/drawingml/2011/main" val="1"/>
               </a:ext>
             </a:extLst>
           </p:spPr>
@@ -26855,7 +26719,7 @@
             </a:ln>
             <a:extLst>
               <a:ext uri="{C572A759-6A51-4108-AA02-DFA0A04FC94B}">
-                <ma14:wrappingTextBoxFlag xmlns:ma14="http://schemas.microsoft.com/office/mac/drawingml/2011/main" xmlns="" val="1"/>
+                <ma14:wrappingTextBoxFlag xmlns="" xmlns:ma14="http://schemas.microsoft.com/office/mac/drawingml/2011/main" val="1"/>
               </a:ext>
             </a:extLst>
           </p:spPr>
@@ -27042,7 +26906,7 @@
             </a:ln>
             <a:extLst>
               <a:ext uri="{C572A759-6A51-4108-AA02-DFA0A04FC94B}">
-                <ma14:wrappingTextBoxFlag xmlns:ma14="http://schemas.microsoft.com/office/mac/drawingml/2011/main" xmlns="" val="1"/>
+                <ma14:wrappingTextBoxFlag xmlns="" xmlns:ma14="http://schemas.microsoft.com/office/mac/drawingml/2011/main" val="1"/>
               </a:ext>
             </a:extLst>
           </p:spPr>
@@ -27222,7 +27086,7 @@
             </a:ln>
             <a:extLst>
               <a:ext uri="{C572A759-6A51-4108-AA02-DFA0A04FC94B}">
-                <ma14:wrappingTextBoxFlag xmlns:ma14="http://schemas.microsoft.com/office/mac/drawingml/2011/main" xmlns="" val="1"/>
+                <ma14:wrappingTextBoxFlag xmlns="" xmlns:ma14="http://schemas.microsoft.com/office/mac/drawingml/2011/main" val="1"/>
               </a:ext>
             </a:extLst>
           </p:spPr>
@@ -27424,7 +27288,7 @@
             </a:ln>
             <a:extLst>
               <a:ext uri="{C572A759-6A51-4108-AA02-DFA0A04FC94B}">
-                <ma14:wrappingTextBoxFlag xmlns:ma14="http://schemas.microsoft.com/office/mac/drawingml/2011/main" xmlns="" val="1"/>
+                <ma14:wrappingTextBoxFlag xmlns="" xmlns:ma14="http://schemas.microsoft.com/office/mac/drawingml/2011/main" val="1"/>
               </a:ext>
             </a:extLst>
           </p:spPr>
@@ -27530,7 +27394,7 @@
             </a:ln>
             <a:extLst>
               <a:ext uri="{C572A759-6A51-4108-AA02-DFA0A04FC94B}">
-                <ma14:wrappingTextBoxFlag xmlns:ma14="http://schemas.microsoft.com/office/mac/drawingml/2011/main" xmlns="" val="1"/>
+                <ma14:wrappingTextBoxFlag xmlns="" xmlns:ma14="http://schemas.microsoft.com/office/mac/drawingml/2011/main" val="1"/>
               </a:ext>
             </a:extLst>
           </p:spPr>
@@ -27585,7 +27449,7 @@
             </a:ln>
             <a:extLst>
               <a:ext uri="{C572A759-6A51-4108-AA02-DFA0A04FC94B}">
-                <ma14:wrappingTextBoxFlag xmlns:ma14="http://schemas.microsoft.com/office/mac/drawingml/2011/main" xmlns="" val="1"/>
+                <ma14:wrappingTextBoxFlag xmlns="" xmlns:ma14="http://schemas.microsoft.com/office/mac/drawingml/2011/main" val="1"/>
               </a:ext>
             </a:extLst>
           </p:spPr>
@@ -27639,7 +27503,7 @@
             </a:ln>
             <a:extLst>
               <a:ext uri="{C572A759-6A51-4108-AA02-DFA0A04FC94B}">
-                <ma14:wrappingTextBoxFlag xmlns:ma14="http://schemas.microsoft.com/office/mac/drawingml/2011/main" xmlns="" val="1"/>
+                <ma14:wrappingTextBoxFlag xmlns="" xmlns:ma14="http://schemas.microsoft.com/office/mac/drawingml/2011/main" val="1"/>
               </a:ext>
             </a:extLst>
           </p:spPr>
@@ -27693,7 +27557,7 @@
             </a:ln>
             <a:extLst>
               <a:ext uri="{C572A759-6A51-4108-AA02-DFA0A04FC94B}">
-                <ma14:wrappingTextBoxFlag xmlns:ma14="http://schemas.microsoft.com/office/mac/drawingml/2011/main" xmlns="" val="1"/>
+                <ma14:wrappingTextBoxFlag xmlns="" xmlns:ma14="http://schemas.microsoft.com/office/mac/drawingml/2011/main" val="1"/>
               </a:ext>
             </a:extLst>
           </p:spPr>
@@ -27747,7 +27611,7 @@
             </a:ln>
             <a:extLst>
               <a:ext uri="{C572A759-6A51-4108-AA02-DFA0A04FC94B}">
-                <ma14:wrappingTextBoxFlag xmlns:ma14="http://schemas.microsoft.com/office/mac/drawingml/2011/main" xmlns="" val="1"/>
+                <ma14:wrappingTextBoxFlag xmlns="" xmlns:ma14="http://schemas.microsoft.com/office/mac/drawingml/2011/main" val="1"/>
               </a:ext>
             </a:extLst>
           </p:spPr>
@@ -27802,7 +27666,7 @@
             </a:ln>
             <a:extLst>
               <a:ext uri="{C572A759-6A51-4108-AA02-DFA0A04FC94B}">
-                <ma14:wrappingTextBoxFlag xmlns:ma14="http://schemas.microsoft.com/office/mac/drawingml/2011/main" xmlns="" val="1"/>
+                <ma14:wrappingTextBoxFlag xmlns="" xmlns:ma14="http://schemas.microsoft.com/office/mac/drawingml/2011/main" val="1"/>
               </a:ext>
             </a:extLst>
           </p:spPr>
@@ -27856,7 +27720,7 @@
             </a:ln>
             <a:extLst>
               <a:ext uri="{C572A759-6A51-4108-AA02-DFA0A04FC94B}">
-                <ma14:wrappingTextBoxFlag xmlns:ma14="http://schemas.microsoft.com/office/mac/drawingml/2011/main" xmlns="" val="1"/>
+                <ma14:wrappingTextBoxFlag xmlns="" xmlns:ma14="http://schemas.microsoft.com/office/mac/drawingml/2011/main" val="1"/>
               </a:ext>
             </a:extLst>
           </p:spPr>
